--- a/project_01/docs/ErickMorales_ENGI301_project_proposal.pptx
+++ b/project_01/docs/ErickMorales_ENGI301_project_proposal.pptx
@@ -218,7 +218,7 @@
           <a:p>
             <a:fld id="{59041DB8-B66F-4DC8-A96E-33677E0F90FF}" type="datetimeFigureOut">
               <a:rPr lang="en-US" smtClean="0"/>
-              <a:t>10/14/2021</a:t>
+              <a:t>11/8/2021</a:t>
             </a:fld>
             <a:endParaRPr lang="en-US"/>
           </a:p>
@@ -383,7 +383,7 @@
           <a:p>
             <a:fld id="{DEB49C4A-65AC-492D-9701-81B46C3AD0E4}" type="datetimeFigureOut">
               <a:rPr lang="en-US" smtClean="0"/>
-              <a:t>10/14/2021</a:t>
+              <a:t>11/8/2021</a:t>
             </a:fld>
             <a:endParaRPr lang="en-US"/>
           </a:p>
@@ -2791,7 +2791,7 @@
           <a:p>
             <a:fld id="{384A29A4-78C8-47AB-BA06-22CB45938951}" type="datetime1">
               <a:rPr lang="en-US" smtClean="0"/>
-              <a:t>10/14/2021</a:t>
+              <a:t>11/8/2021</a:t>
             </a:fld>
             <a:endParaRPr lang="en-US"/>
           </a:p>
@@ -2986,7 +2986,7 @@
           <a:p>
             <a:fld id="{E1ED4ACF-2D82-46F2-A8E9-23963AA34E86}" type="datetime1">
               <a:rPr lang="en-US" smtClean="0"/>
-              <a:t>10/14/2021</a:t>
+              <a:t>11/8/2021</a:t>
             </a:fld>
             <a:endParaRPr lang="en-US"/>
           </a:p>
@@ -3180,7 +3180,7 @@
           <a:p>
             <a:fld id="{AE374B5B-21A0-4192-BF4C-38187F1A68D8}" type="datetime1">
               <a:rPr lang="en-US" smtClean="0"/>
-              <a:t>10/14/2021</a:t>
+              <a:t>11/8/2021</a:t>
             </a:fld>
             <a:endParaRPr lang="en-US"/>
           </a:p>
@@ -5521,7 +5521,7 @@
           <a:p>
             <a:fld id="{33B5CF7C-B333-48E1-A4A6-83A3C8B73AC0}" type="datetime1">
               <a:rPr lang="en-US" smtClean="0"/>
-              <a:t>10/14/2021</a:t>
+              <a:t>11/8/2021</a:t>
             </a:fld>
             <a:endParaRPr lang="en-US"/>
           </a:p>
@@ -5974,7 +5974,7 @@
           <a:p>
             <a:fld id="{AE320762-5CBF-4210-AB54-376B091119F8}" type="datetime1">
               <a:rPr lang="en-US" smtClean="0"/>
-              <a:t>10/14/2021</a:t>
+              <a:t>11/8/2021</a:t>
             </a:fld>
             <a:endParaRPr lang="en-US"/>
           </a:p>
@@ -6106,7 +6106,7 @@
           <a:p>
             <a:fld id="{7F0DB371-BF5F-4058-A212-1A908E4D2674}" type="datetime1">
               <a:rPr lang="en-US" smtClean="0"/>
-              <a:t>10/14/2021</a:t>
+              <a:t>11/8/2021</a:t>
             </a:fld>
             <a:endParaRPr lang="en-US"/>
           </a:p>
@@ -8039,7 +8039,7 @@
           <a:p>
             <a:fld id="{60A4083B-90AA-48CF-BAD5-00AA24D7F288}" type="datetime1">
               <a:rPr lang="en-US" smtClean="0"/>
-              <a:t>10/14/2021</a:t>
+              <a:t>11/8/2021</a:t>
             </a:fld>
             <a:endParaRPr lang="en-US"/>
           </a:p>
@@ -10298,7 +10298,7 @@
             <a:fld id="{F5BAF629-ECA2-4CF3-B790-9D9BDED98269}" type="datetime1">
               <a:rPr lang="en-US" smtClean="0"/>
               <a:pPr/>
-              <a:t>10/14/2021</a:t>
+              <a:t>11/8/2021</a:t>
             </a:fld>
             <a:endParaRPr lang="en-US"/>
           </a:p>
@@ -14593,7 +14593,7 @@
             <a:fld id="{B51B2453-8663-4C69-AF73-9FD7B1DEC5D0}" type="datetime1">
               <a:rPr lang="en-US" smtClean="0"/>
               <a:pPr/>
-              <a:t>10/14/2021</a:t>
+              <a:t>11/8/2021</a:t>
             </a:fld>
             <a:endParaRPr lang="en-US" dirty="0"/>
           </a:p>
@@ -15236,7 +15236,7 @@
             <a:pPr lvl="2"/>
             <a:r>
               <a:rPr lang="en-US" dirty="0"/>
-              <a:t>Original Inspiration</a:t>
+              <a:t>Original Inspiration: Make an arcade game</a:t>
             </a:r>
           </a:p>
           <a:p>
@@ -15249,7 +15249,7 @@
             <a:pPr lvl="1"/>
             <a:r>
               <a:rPr lang="en-US" dirty="0"/>
-              <a:t>Diversify inputs to make more interactive (button, joystick, toggle switch, potentiometer)</a:t>
+              <a:t>Diversify inputs to make more interactive (button, joystick, limit switch, potentiometer)</a:t>
             </a:r>
           </a:p>
           <a:p>
@@ -15462,52 +15462,11 @@
           <a:lstStyle/>
           <a:p>
             <a:pPr algn="ctr"/>
-            <a:endParaRPr lang="en-US"/>
-          </a:p>
-        </p:txBody>
-      </p:sp>
-      <p:sp>
-        <p:nvSpPr>
-          <p:cNvPr id="8" name="TextBox 7">
-            <a:extLst>
-              <a:ext uri="{FF2B5EF4-FFF2-40B4-BE49-F238E27FC236}">
-                <a16:creationId xmlns:a16="http://schemas.microsoft.com/office/drawing/2014/main" id="{5FBD291E-5391-4EC7-8C55-07F903780ABF}"/>
-              </a:ext>
-            </a:extLst>
-          </p:cNvPr>
-          <p:cNvSpPr txBox="1"/>
-          <p:nvPr/>
-        </p:nvSpPr>
-        <p:spPr>
-          <a:xfrm>
-            <a:off x="4913370" y="2709422"/>
-            <a:ext cx="2628900" cy="369332"/>
-          </a:xfrm>
-          <a:prstGeom prst="rect">
-            <a:avLst/>
-          </a:prstGeom>
-          <a:noFill/>
-        </p:spPr>
-        <p:txBody>
-          <a:bodyPr wrap="square" rtlCol="0">
-            <a:spAutoFit/>
-          </a:bodyPr>
-          <a:lstStyle/>
-          <a:p>
-            <a:pPr algn="ctr"/>
             <a:r>
-              <a:rPr lang="en-US" dirty="0" err="1">
-                <a:solidFill>
-                  <a:schemeClr val="bg1"/>
-                </a:solidFill>
-              </a:rPr>
+              <a:rPr lang="en-US" dirty="0" err="1"/>
               <a:t>PocketBeagle</a:t>
             </a:r>
-            <a:endParaRPr lang="en-US" dirty="0">
-              <a:solidFill>
-                <a:schemeClr val="bg1"/>
-              </a:solidFill>
-            </a:endParaRPr>
+            <a:endParaRPr lang="en-US" dirty="0"/>
           </a:p>
         </p:txBody>
       </p:sp>
@@ -15553,7 +15512,10 @@
           <a:lstStyle/>
           <a:p>
             <a:pPr algn="ctr"/>
-            <a:endParaRPr lang="en-US"/>
+            <a:r>
+              <a:rPr lang="en-US" dirty="0"/>
+              <a:t>SPI Display</a:t>
+            </a:r>
           </a:p>
         </p:txBody>
       </p:sp>
@@ -15571,7 +15533,7 @@
         </p:nvSpPr>
         <p:spPr>
           <a:xfrm>
-            <a:off x="8916932" y="2788990"/>
+            <a:off x="8832336" y="2788395"/>
             <a:ext cx="723900" cy="369332"/>
           </a:xfrm>
           <a:prstGeom prst="rect">
@@ -15592,382 +15554,6 @@
           </a:p>
         </p:txBody>
       </p:sp>
-      <p:cxnSp>
-        <p:nvCxnSpPr>
-          <p:cNvPr id="12" name="Connector: Elbow 11">
-            <a:extLst>
-              <a:ext uri="{FF2B5EF4-FFF2-40B4-BE49-F238E27FC236}">
-                <a16:creationId xmlns:a16="http://schemas.microsoft.com/office/drawing/2014/main" id="{79D8D853-FDC2-41B7-9612-151F6E1EC8E2}"/>
-              </a:ext>
-            </a:extLst>
-          </p:cNvPr>
-          <p:cNvCxnSpPr>
-            <a:cxnSpLocks/>
-          </p:cNvCxnSpPr>
-          <p:nvPr/>
-        </p:nvCxnSpPr>
-        <p:spPr>
-          <a:xfrm rot="5400000">
-            <a:off x="9027292" y="1227102"/>
-            <a:ext cx="2380965" cy="1129052"/>
-          </a:xfrm>
-          <a:prstGeom prst="bentConnector3">
-            <a:avLst>
-              <a:gd name="adj1" fmla="val 100006"/>
-            </a:avLst>
-          </a:prstGeom>
-        </p:spPr>
-        <p:style>
-          <a:lnRef idx="1">
-            <a:schemeClr val="dk1"/>
-          </a:lnRef>
-          <a:fillRef idx="0">
-            <a:schemeClr val="dk1"/>
-          </a:fillRef>
-          <a:effectRef idx="0">
-            <a:schemeClr val="dk1"/>
-          </a:effectRef>
-          <a:fontRef idx="minor">
-            <a:schemeClr val="tx1"/>
-          </a:fontRef>
-        </p:style>
-      </p:cxnSp>
-      <p:sp>
-        <p:nvSpPr>
-          <p:cNvPr id="16" name="TextBox 15">
-            <a:extLst>
-              <a:ext uri="{FF2B5EF4-FFF2-40B4-BE49-F238E27FC236}">
-                <a16:creationId xmlns:a16="http://schemas.microsoft.com/office/drawing/2014/main" id="{B5D58CFB-048E-4104-A830-6CDE48747853}"/>
-              </a:ext>
-            </a:extLst>
-          </p:cNvPr>
-          <p:cNvSpPr txBox="1"/>
-          <p:nvPr/>
-        </p:nvSpPr>
-        <p:spPr>
-          <a:xfrm>
-            <a:off x="6467475" y="416477"/>
-            <a:ext cx="6115050" cy="369332"/>
-          </a:xfrm>
-          <a:prstGeom prst="rect">
-            <a:avLst/>
-          </a:prstGeom>
-          <a:noFill/>
-        </p:spPr>
-        <p:txBody>
-          <a:bodyPr wrap="square">
-            <a:spAutoFit/>
-          </a:bodyPr>
-          <a:lstStyle/>
-          <a:p>
-            <a:pPr algn="ctr"/>
-            <a:r>
-              <a:rPr lang="en-US" dirty="0">
-                <a:solidFill>
-                  <a:schemeClr val="bg1"/>
-                </a:solidFill>
-              </a:rPr>
-              <a:t>LCD Display</a:t>
-            </a:r>
-          </a:p>
-        </p:txBody>
-      </p:sp>
-      <p:sp>
-        <p:nvSpPr>
-          <p:cNvPr id="20" name="TextBox 19">
-            <a:extLst>
-              <a:ext uri="{FF2B5EF4-FFF2-40B4-BE49-F238E27FC236}">
-                <a16:creationId xmlns:a16="http://schemas.microsoft.com/office/drawing/2014/main" id="{EE426D58-FEDC-45C4-99A7-32003715FCC9}"/>
-              </a:ext>
-            </a:extLst>
-          </p:cNvPr>
-          <p:cNvSpPr txBox="1"/>
-          <p:nvPr/>
-        </p:nvSpPr>
-        <p:spPr>
-          <a:xfrm>
-            <a:off x="3945391" y="1773403"/>
-            <a:ext cx="986518" cy="369332"/>
-          </a:xfrm>
-          <a:prstGeom prst="rect">
-            <a:avLst/>
-          </a:prstGeom>
-          <a:noFill/>
-        </p:spPr>
-        <p:txBody>
-          <a:bodyPr wrap="square">
-            <a:spAutoFit/>
-          </a:bodyPr>
-          <a:lstStyle/>
-          <a:p>
-            <a:r>
-              <a:rPr lang="en-US" dirty="0"/>
-              <a:t>P2.9</a:t>
-            </a:r>
-          </a:p>
-        </p:txBody>
-      </p:sp>
-      <p:sp>
-        <p:nvSpPr>
-          <p:cNvPr id="24" name="TextBox 23">
-            <a:extLst>
-              <a:ext uri="{FF2B5EF4-FFF2-40B4-BE49-F238E27FC236}">
-                <a16:creationId xmlns:a16="http://schemas.microsoft.com/office/drawing/2014/main" id="{6D5CA3E3-09D2-41C1-B6DC-D5D0336C5DE9}"/>
-              </a:ext>
-            </a:extLst>
-          </p:cNvPr>
-          <p:cNvSpPr txBox="1"/>
-          <p:nvPr/>
-        </p:nvSpPr>
-        <p:spPr>
-          <a:xfrm>
-            <a:off x="4931909" y="1768146"/>
-            <a:ext cx="798059" cy="369332"/>
-          </a:xfrm>
-          <a:prstGeom prst="rect">
-            <a:avLst/>
-          </a:prstGeom>
-          <a:noFill/>
-        </p:spPr>
-        <p:txBody>
-          <a:bodyPr wrap="square">
-            <a:spAutoFit/>
-          </a:bodyPr>
-          <a:lstStyle/>
-          <a:p>
-            <a:r>
-              <a:rPr lang="en-US" dirty="0"/>
-              <a:t>P2.11</a:t>
-            </a:r>
-          </a:p>
-        </p:txBody>
-      </p:sp>
-      <p:sp>
-        <p:nvSpPr>
-          <p:cNvPr id="26" name="TextBox 25">
-            <a:extLst>
-              <a:ext uri="{FF2B5EF4-FFF2-40B4-BE49-F238E27FC236}">
-                <a16:creationId xmlns:a16="http://schemas.microsoft.com/office/drawing/2014/main" id="{D231714D-F9CB-4392-9DB4-A3313854EA6C}"/>
-              </a:ext>
-            </a:extLst>
-          </p:cNvPr>
-          <p:cNvSpPr txBox="1"/>
-          <p:nvPr/>
-        </p:nvSpPr>
-        <p:spPr>
-          <a:xfrm>
-            <a:off x="5923870" y="1758231"/>
-            <a:ext cx="6294664" cy="369332"/>
-          </a:xfrm>
-          <a:prstGeom prst="rect">
-            <a:avLst/>
-          </a:prstGeom>
-          <a:noFill/>
-        </p:spPr>
-        <p:txBody>
-          <a:bodyPr wrap="square">
-            <a:spAutoFit/>
-          </a:bodyPr>
-          <a:lstStyle/>
-          <a:p>
-            <a:r>
-              <a:rPr lang="en-US" dirty="0"/>
-              <a:t>P2.13</a:t>
-            </a:r>
-          </a:p>
-        </p:txBody>
-      </p:sp>
-      <p:cxnSp>
-        <p:nvCxnSpPr>
-          <p:cNvPr id="28" name="Connector: Elbow 27">
-            <a:extLst>
-              <a:ext uri="{FF2B5EF4-FFF2-40B4-BE49-F238E27FC236}">
-                <a16:creationId xmlns:a16="http://schemas.microsoft.com/office/drawing/2014/main" id="{4C0E8014-FC51-4095-A6F6-EF641146506A}"/>
-              </a:ext>
-            </a:extLst>
-          </p:cNvPr>
-          <p:cNvCxnSpPr>
-            <a:cxnSpLocks/>
-            <a:endCxn id="9" idx="2"/>
-          </p:cNvCxnSpPr>
-          <p:nvPr/>
-        </p:nvCxnSpPr>
-        <p:spPr>
-          <a:xfrm flipV="1">
-            <a:off x="6324600" y="1039588"/>
-            <a:ext cx="3200400" cy="690392"/>
-          </a:xfrm>
-          <a:prstGeom prst="bentConnector2">
-            <a:avLst/>
-          </a:prstGeom>
-        </p:spPr>
-        <p:style>
-          <a:lnRef idx="1">
-            <a:schemeClr val="accent1"/>
-          </a:lnRef>
-          <a:fillRef idx="0">
-            <a:schemeClr val="accent1"/>
-          </a:fillRef>
-          <a:effectRef idx="0">
-            <a:schemeClr val="accent1"/>
-          </a:effectRef>
-          <a:fontRef idx="minor">
-            <a:schemeClr val="tx1"/>
-          </a:fontRef>
-        </p:style>
-      </p:cxnSp>
-      <p:cxnSp>
-        <p:nvCxnSpPr>
-          <p:cNvPr id="42" name="Straight Connector 41">
-            <a:extLst>
-              <a:ext uri="{FF2B5EF4-FFF2-40B4-BE49-F238E27FC236}">
-                <a16:creationId xmlns:a16="http://schemas.microsoft.com/office/drawing/2014/main" id="{1C8677B6-CECE-45EC-AA51-E61199FE6BA7}"/>
-              </a:ext>
-            </a:extLst>
-          </p:cNvPr>
-          <p:cNvCxnSpPr>
-            <a:cxnSpLocks/>
-            <a:stCxn id="24" idx="0"/>
-          </p:cNvCxnSpPr>
-          <p:nvPr/>
-        </p:nvCxnSpPr>
-        <p:spPr>
-          <a:xfrm flipH="1" flipV="1">
-            <a:off x="5330938" y="1528746"/>
-            <a:ext cx="1" cy="239400"/>
-          </a:xfrm>
-          <a:prstGeom prst="line">
-            <a:avLst/>
-          </a:prstGeom>
-        </p:spPr>
-        <p:style>
-          <a:lnRef idx="1">
-            <a:schemeClr val="accent1"/>
-          </a:lnRef>
-          <a:fillRef idx="0">
-            <a:schemeClr val="accent1"/>
-          </a:fillRef>
-          <a:effectRef idx="0">
-            <a:schemeClr val="accent1"/>
-          </a:effectRef>
-          <a:fontRef idx="minor">
-            <a:schemeClr val="tx1"/>
-          </a:fontRef>
-        </p:style>
-      </p:cxnSp>
-      <p:cxnSp>
-        <p:nvCxnSpPr>
-          <p:cNvPr id="46" name="Connector: Elbow 45">
-            <a:extLst>
-              <a:ext uri="{FF2B5EF4-FFF2-40B4-BE49-F238E27FC236}">
-                <a16:creationId xmlns:a16="http://schemas.microsoft.com/office/drawing/2014/main" id="{7416F8ED-481F-4562-B11A-3535620189E8}"/>
-              </a:ext>
-            </a:extLst>
-          </p:cNvPr>
-          <p:cNvCxnSpPr/>
-          <p:nvPr/>
-        </p:nvCxnSpPr>
-        <p:spPr>
-          <a:xfrm flipV="1">
-            <a:off x="5330938" y="1039588"/>
-            <a:ext cx="3740264" cy="494261"/>
-          </a:xfrm>
-          <a:prstGeom prst="bentConnector3">
-            <a:avLst>
-              <a:gd name="adj1" fmla="val 100641"/>
-            </a:avLst>
-          </a:prstGeom>
-        </p:spPr>
-        <p:style>
-          <a:lnRef idx="1">
-            <a:schemeClr val="accent1"/>
-          </a:lnRef>
-          <a:fillRef idx="0">
-            <a:schemeClr val="accent1"/>
-          </a:fillRef>
-          <a:effectRef idx="0">
-            <a:schemeClr val="accent1"/>
-          </a:effectRef>
-          <a:fontRef idx="minor">
-            <a:schemeClr val="tx1"/>
-          </a:fontRef>
-        </p:style>
-      </p:cxnSp>
-      <p:cxnSp>
-        <p:nvCxnSpPr>
-          <p:cNvPr id="51" name="Connector: Elbow 50">
-            <a:extLst>
-              <a:ext uri="{FF2B5EF4-FFF2-40B4-BE49-F238E27FC236}">
-                <a16:creationId xmlns:a16="http://schemas.microsoft.com/office/drawing/2014/main" id="{3226D4CB-CFA5-484E-BCB1-6A646D163E78}"/>
-              </a:ext>
-            </a:extLst>
-          </p:cNvPr>
-          <p:cNvCxnSpPr>
-            <a:cxnSpLocks/>
-            <a:endCxn id="20" idx="0"/>
-          </p:cNvCxnSpPr>
-          <p:nvPr/>
-        </p:nvCxnSpPr>
-        <p:spPr>
-          <a:xfrm rot="10800000" flipV="1">
-            <a:off x="4438650" y="1284089"/>
-            <a:ext cx="4248150" cy="489314"/>
-          </a:xfrm>
-          <a:prstGeom prst="bentConnector2">
-            <a:avLst/>
-          </a:prstGeom>
-        </p:spPr>
-        <p:style>
-          <a:lnRef idx="1">
-            <a:schemeClr val="accent1"/>
-          </a:lnRef>
-          <a:fillRef idx="0">
-            <a:schemeClr val="accent1"/>
-          </a:fillRef>
-          <a:effectRef idx="0">
-            <a:schemeClr val="accent1"/>
-          </a:effectRef>
-          <a:fontRef idx="minor">
-            <a:schemeClr val="tx1"/>
-          </a:fontRef>
-        </p:style>
-      </p:cxnSp>
-      <p:cxnSp>
-        <p:nvCxnSpPr>
-          <p:cNvPr id="56" name="Straight Connector 55">
-            <a:extLst>
-              <a:ext uri="{FF2B5EF4-FFF2-40B4-BE49-F238E27FC236}">
-                <a16:creationId xmlns:a16="http://schemas.microsoft.com/office/drawing/2014/main" id="{2291C4F2-802B-428B-9708-7205A291CC3C}"/>
-              </a:ext>
-            </a:extLst>
-          </p:cNvPr>
-          <p:cNvCxnSpPr/>
-          <p:nvPr/>
-        </p:nvCxnSpPr>
-        <p:spPr>
-          <a:xfrm flipV="1">
-            <a:off x="8686800" y="1039588"/>
-            <a:ext cx="0" cy="244500"/>
-          </a:xfrm>
-          <a:prstGeom prst="line">
-            <a:avLst/>
-          </a:prstGeom>
-        </p:spPr>
-        <p:style>
-          <a:lnRef idx="1">
-            <a:schemeClr val="accent1"/>
-          </a:lnRef>
-          <a:fillRef idx="0">
-            <a:schemeClr val="accent1"/>
-          </a:fillRef>
-          <a:effectRef idx="0">
-            <a:schemeClr val="accent1"/>
-          </a:effectRef>
-          <a:fontRef idx="minor">
-            <a:schemeClr val="tx1"/>
-          </a:fontRef>
-        </p:style>
-      </p:cxnSp>
       <p:sp>
         <p:nvSpPr>
           <p:cNvPr id="63" name="Rectangle: Rounded Corners 62">
@@ -16010,226 +15596,11 @@
           <a:lstStyle/>
           <a:p>
             <a:pPr algn="ctr"/>
-            <a:endParaRPr lang="en-US"/>
-          </a:p>
-        </p:txBody>
-      </p:sp>
-      <p:sp>
-        <p:nvSpPr>
-          <p:cNvPr id="64" name="Rectangle: Rounded Corners 63">
-            <a:extLst>
-              <a:ext uri="{FF2B5EF4-FFF2-40B4-BE49-F238E27FC236}">
-                <a16:creationId xmlns:a16="http://schemas.microsoft.com/office/drawing/2014/main" id="{EB26E73F-8027-4875-BF6E-FD96DCA4A003}"/>
-              </a:ext>
-            </a:extLst>
-          </p:cNvPr>
-          <p:cNvSpPr/>
-          <p:nvPr/>
-        </p:nvSpPr>
-        <p:spPr>
-          <a:xfrm>
-            <a:off x="2965676" y="4105585"/>
-            <a:ext cx="950289" cy="368577"/>
-          </a:xfrm>
-          <a:prstGeom prst="roundRect">
-            <a:avLst/>
-          </a:prstGeom>
-        </p:spPr>
-        <p:style>
-          <a:lnRef idx="2">
-            <a:schemeClr val="accent2">
-              <a:shade val="50000"/>
-            </a:schemeClr>
-          </a:lnRef>
-          <a:fillRef idx="1">
-            <a:schemeClr val="accent2"/>
-          </a:fillRef>
-          <a:effectRef idx="0">
-            <a:schemeClr val="accent2"/>
-          </a:effectRef>
-          <a:fontRef idx="minor">
-            <a:schemeClr val="lt1"/>
-          </a:fontRef>
-        </p:style>
-        <p:txBody>
-          <a:bodyPr rtlCol="0" anchor="ctr"/>
-          <a:lstStyle/>
-          <a:p>
-            <a:pPr algn="ctr"/>
+            <a:r>
+              <a:rPr lang="en-US" sz="1400" dirty="0"/>
+              <a:t>Button</a:t>
+            </a:r>
             <a:endParaRPr lang="en-US" dirty="0"/>
-          </a:p>
-        </p:txBody>
-      </p:sp>
-      <p:sp>
-        <p:nvSpPr>
-          <p:cNvPr id="65" name="Rectangle: Rounded Corners 64">
-            <a:extLst>
-              <a:ext uri="{FF2B5EF4-FFF2-40B4-BE49-F238E27FC236}">
-                <a16:creationId xmlns:a16="http://schemas.microsoft.com/office/drawing/2014/main" id="{0049FF0A-71C2-4A94-90BE-8055DF360834}"/>
-              </a:ext>
-            </a:extLst>
-          </p:cNvPr>
-          <p:cNvSpPr/>
-          <p:nvPr/>
-        </p:nvSpPr>
-        <p:spPr>
-          <a:xfrm>
-            <a:off x="3992802" y="4388262"/>
-            <a:ext cx="950289" cy="368577"/>
-          </a:xfrm>
-          <a:prstGeom prst="roundRect">
-            <a:avLst/>
-          </a:prstGeom>
-        </p:spPr>
-        <p:style>
-          <a:lnRef idx="2">
-            <a:schemeClr val="accent2">
-              <a:shade val="50000"/>
-            </a:schemeClr>
-          </a:lnRef>
-          <a:fillRef idx="1">
-            <a:schemeClr val="accent2"/>
-          </a:fillRef>
-          <a:effectRef idx="0">
-            <a:schemeClr val="accent2"/>
-          </a:effectRef>
-          <a:fontRef idx="minor">
-            <a:schemeClr val="lt1"/>
-          </a:fontRef>
-        </p:style>
-        <p:txBody>
-          <a:bodyPr rtlCol="0" anchor="ctr"/>
-          <a:lstStyle/>
-          <a:p>
-            <a:pPr algn="ctr"/>
-            <a:endParaRPr lang="en-US" dirty="0"/>
-          </a:p>
-        </p:txBody>
-      </p:sp>
-      <p:sp>
-        <p:nvSpPr>
-          <p:cNvPr id="66" name="Rectangle: Rounded Corners 65">
-            <a:extLst>
-              <a:ext uri="{FF2B5EF4-FFF2-40B4-BE49-F238E27FC236}">
-                <a16:creationId xmlns:a16="http://schemas.microsoft.com/office/drawing/2014/main" id="{25F4FBC7-5C4D-4204-8E38-F3DA997F88DF}"/>
-              </a:ext>
-            </a:extLst>
-          </p:cNvPr>
-          <p:cNvSpPr/>
-          <p:nvPr/>
-        </p:nvSpPr>
-        <p:spPr>
-          <a:xfrm>
-            <a:off x="5023500" y="4583565"/>
-            <a:ext cx="950289" cy="368577"/>
-          </a:xfrm>
-          <a:prstGeom prst="roundRect">
-            <a:avLst/>
-          </a:prstGeom>
-        </p:spPr>
-        <p:style>
-          <a:lnRef idx="2">
-            <a:schemeClr val="accent2">
-              <a:shade val="50000"/>
-            </a:schemeClr>
-          </a:lnRef>
-          <a:fillRef idx="1">
-            <a:schemeClr val="accent2"/>
-          </a:fillRef>
-          <a:effectRef idx="0">
-            <a:schemeClr val="accent2"/>
-          </a:effectRef>
-          <a:fontRef idx="minor">
-            <a:schemeClr val="lt1"/>
-          </a:fontRef>
-        </p:style>
-        <p:txBody>
-          <a:bodyPr rtlCol="0" anchor="ctr"/>
-          <a:lstStyle/>
-          <a:p>
-            <a:pPr algn="ctr"/>
-            <a:endParaRPr lang="en-US"/>
-          </a:p>
-        </p:txBody>
-      </p:sp>
-      <p:sp>
-        <p:nvSpPr>
-          <p:cNvPr id="67" name="Rectangle: Rounded Corners 66">
-            <a:extLst>
-              <a:ext uri="{FF2B5EF4-FFF2-40B4-BE49-F238E27FC236}">
-                <a16:creationId xmlns:a16="http://schemas.microsoft.com/office/drawing/2014/main" id="{8EB9A906-98C4-4DFE-BA09-1DD2344A49FF}"/>
-              </a:ext>
-            </a:extLst>
-          </p:cNvPr>
-          <p:cNvSpPr/>
-          <p:nvPr/>
-        </p:nvSpPr>
-        <p:spPr>
-          <a:xfrm>
-            <a:off x="6067425" y="4760783"/>
-            <a:ext cx="950289" cy="368577"/>
-          </a:xfrm>
-          <a:prstGeom prst="roundRect">
-            <a:avLst/>
-          </a:prstGeom>
-        </p:spPr>
-        <p:style>
-          <a:lnRef idx="2">
-            <a:schemeClr val="accent2">
-              <a:shade val="50000"/>
-            </a:schemeClr>
-          </a:lnRef>
-          <a:fillRef idx="1">
-            <a:schemeClr val="accent2"/>
-          </a:fillRef>
-          <a:effectRef idx="0">
-            <a:schemeClr val="accent2"/>
-          </a:effectRef>
-          <a:fontRef idx="minor">
-            <a:schemeClr val="lt1"/>
-          </a:fontRef>
-        </p:style>
-        <p:txBody>
-          <a:bodyPr rtlCol="0" anchor="ctr"/>
-          <a:lstStyle/>
-          <a:p>
-            <a:pPr algn="ctr"/>
-            <a:endParaRPr lang="en-US"/>
-          </a:p>
-        </p:txBody>
-      </p:sp>
-      <p:sp>
-        <p:nvSpPr>
-          <p:cNvPr id="71" name="TextBox 70">
-            <a:extLst>
-              <a:ext uri="{FF2B5EF4-FFF2-40B4-BE49-F238E27FC236}">
-                <a16:creationId xmlns:a16="http://schemas.microsoft.com/office/drawing/2014/main" id="{901CAD8B-DE45-45E3-AE60-7D2E51B698F8}"/>
-              </a:ext>
-            </a:extLst>
-          </p:cNvPr>
-          <p:cNvSpPr txBox="1"/>
-          <p:nvPr/>
-        </p:nvSpPr>
-        <p:spPr>
-          <a:xfrm>
-            <a:off x="3111102" y="3533777"/>
-            <a:ext cx="6185297" cy="369332"/>
-          </a:xfrm>
-          <a:prstGeom prst="rect">
-            <a:avLst/>
-          </a:prstGeom>
-          <a:noFill/>
-        </p:spPr>
-        <p:txBody>
-          <a:bodyPr wrap="square">
-            <a:spAutoFit/>
-          </a:bodyPr>
-          <a:lstStyle/>
-          <a:p>
-            <a:r>
-              <a:rPr lang="en-US" dirty="0"/>
-              <a:t>P2.2  P2.4  P2.6  P2.8                                      P2.22  </a:t>
-            </a:r>
           </a:p>
         </p:txBody>
       </p:sp>
@@ -16275,7 +15646,10 @@
           <a:lstStyle/>
           <a:p>
             <a:pPr algn="ctr"/>
-            <a:endParaRPr lang="en-US"/>
+            <a:r>
+              <a:rPr lang="en-US" sz="1100" dirty="0"/>
+              <a:t>Piezo Buzzer</a:t>
+            </a:r>
           </a:p>
         </p:txBody>
       </p:sp>
@@ -16293,7 +15667,7 @@
         </p:nvSpPr>
         <p:spPr>
           <a:xfrm>
-            <a:off x="3995908" y="5197206"/>
+            <a:off x="6209405" y="5208589"/>
             <a:ext cx="950290" cy="368577"/>
           </a:xfrm>
           <a:prstGeom prst="roundRect">
@@ -16321,7 +15695,10 @@
           <a:lstStyle/>
           <a:p>
             <a:pPr algn="ctr"/>
-            <a:endParaRPr lang="en-US"/>
+            <a:r>
+              <a:rPr lang="en-US" sz="900" dirty="0"/>
+              <a:t>Potentiometer</a:t>
+            </a:r>
           </a:p>
         </p:txBody>
       </p:sp>
@@ -16339,7 +15716,7 @@
         </p:nvSpPr>
         <p:spPr>
           <a:xfrm>
-            <a:off x="5023500" y="5197205"/>
+            <a:off x="5097138" y="5210086"/>
             <a:ext cx="950290" cy="368577"/>
           </a:xfrm>
           <a:prstGeom prst="roundRect">
@@ -16367,7 +15744,10 @@
           <a:lstStyle/>
           <a:p>
             <a:pPr algn="ctr"/>
-            <a:endParaRPr lang="en-US"/>
+            <a:r>
+              <a:rPr lang="en-US" sz="1200" dirty="0"/>
+              <a:t>Joystick</a:t>
+            </a:r>
           </a:p>
         </p:txBody>
       </p:sp>
@@ -16385,7 +15765,7 @@
         </p:nvSpPr>
         <p:spPr>
           <a:xfrm>
-            <a:off x="6067425" y="5205335"/>
+            <a:off x="4006254" y="5204522"/>
             <a:ext cx="950290" cy="368577"/>
           </a:xfrm>
           <a:prstGeom prst="roundRect">
@@ -16413,46 +15793,9 @@
           <a:lstStyle/>
           <a:p>
             <a:pPr algn="ctr"/>
-            <a:endParaRPr lang="en-US"/>
-          </a:p>
-        </p:txBody>
-      </p:sp>
-      <p:sp>
-        <p:nvSpPr>
-          <p:cNvPr id="82" name="TextBox 81">
-            <a:extLst>
-              <a:ext uri="{FF2B5EF4-FFF2-40B4-BE49-F238E27FC236}">
-                <a16:creationId xmlns:a16="http://schemas.microsoft.com/office/drawing/2014/main" id="{5A3D379B-2AE0-4363-9566-FE5AADB48CF5}"/>
-              </a:ext>
-            </a:extLst>
-          </p:cNvPr>
-          <p:cNvSpPr txBox="1"/>
-          <p:nvPr/>
-        </p:nvSpPr>
-        <p:spPr>
-          <a:xfrm>
-            <a:off x="9640832" y="3763772"/>
-            <a:ext cx="938845" cy="430887"/>
-          </a:xfrm>
-          <a:prstGeom prst="rect">
-            <a:avLst/>
-          </a:prstGeom>
-          <a:noFill/>
-        </p:spPr>
-        <p:txBody>
-          <a:bodyPr wrap="square">
-            <a:spAutoFit/>
-          </a:bodyPr>
-          <a:lstStyle/>
-          <a:p>
-            <a:pPr algn="ctr"/>
             <a:r>
-              <a:rPr lang="en-US" sz="1100" dirty="0">
-                <a:solidFill>
-                  <a:schemeClr val="bg1"/>
-                </a:solidFill>
-              </a:rPr>
-              <a:t>Piezo Buzzer</a:t>
+              <a:rPr lang="en-US" sz="1050" dirty="0"/>
+              <a:t>Limit Switch</a:t>
             </a:r>
           </a:p>
         </p:txBody>
@@ -16497,326 +15840,6 @@
           </a:p>
         </p:txBody>
       </p:sp>
-      <p:sp>
-        <p:nvSpPr>
-          <p:cNvPr id="87" name="TextBox 86">
-            <a:extLst>
-              <a:ext uri="{FF2B5EF4-FFF2-40B4-BE49-F238E27FC236}">
-                <a16:creationId xmlns:a16="http://schemas.microsoft.com/office/drawing/2014/main" id="{DFD1EDBF-5B40-4DCD-A3CB-85425A6117F2}"/>
-              </a:ext>
-            </a:extLst>
-          </p:cNvPr>
-          <p:cNvSpPr txBox="1"/>
-          <p:nvPr/>
-        </p:nvSpPr>
-        <p:spPr>
-          <a:xfrm>
-            <a:off x="2965676" y="4150819"/>
-            <a:ext cx="917634" cy="276999"/>
-          </a:xfrm>
-          <a:prstGeom prst="rect">
-            <a:avLst/>
-          </a:prstGeom>
-          <a:noFill/>
-        </p:spPr>
-        <p:txBody>
-          <a:bodyPr wrap="square" rtlCol="0">
-            <a:spAutoFit/>
-          </a:bodyPr>
-          <a:lstStyle/>
-          <a:p>
-            <a:pPr algn="ctr"/>
-            <a:r>
-              <a:rPr lang="en-US" sz="1200" dirty="0">
-                <a:solidFill>
-                  <a:schemeClr val="bg1"/>
-                </a:solidFill>
-              </a:rPr>
-              <a:t>Transistor</a:t>
-            </a:r>
-          </a:p>
-        </p:txBody>
-      </p:sp>
-      <p:sp>
-        <p:nvSpPr>
-          <p:cNvPr id="88" name="TextBox 87">
-            <a:extLst>
-              <a:ext uri="{FF2B5EF4-FFF2-40B4-BE49-F238E27FC236}">
-                <a16:creationId xmlns:a16="http://schemas.microsoft.com/office/drawing/2014/main" id="{21E4128F-030F-43B0-A6E5-5E6CEB0A2149}"/>
-              </a:ext>
-            </a:extLst>
-          </p:cNvPr>
-          <p:cNvSpPr txBox="1"/>
-          <p:nvPr/>
-        </p:nvSpPr>
-        <p:spPr>
-          <a:xfrm>
-            <a:off x="4023800" y="4415893"/>
-            <a:ext cx="917634" cy="276999"/>
-          </a:xfrm>
-          <a:prstGeom prst="rect">
-            <a:avLst/>
-          </a:prstGeom>
-          <a:noFill/>
-        </p:spPr>
-        <p:txBody>
-          <a:bodyPr wrap="square" rtlCol="0">
-            <a:spAutoFit/>
-          </a:bodyPr>
-          <a:lstStyle/>
-          <a:p>
-            <a:pPr algn="ctr"/>
-            <a:r>
-              <a:rPr lang="en-US" sz="1200" dirty="0">
-                <a:solidFill>
-                  <a:schemeClr val="bg1"/>
-                </a:solidFill>
-              </a:rPr>
-              <a:t>Transistor</a:t>
-            </a:r>
-          </a:p>
-        </p:txBody>
-      </p:sp>
-      <p:sp>
-        <p:nvSpPr>
-          <p:cNvPr id="89" name="TextBox 88">
-            <a:extLst>
-              <a:ext uri="{FF2B5EF4-FFF2-40B4-BE49-F238E27FC236}">
-                <a16:creationId xmlns:a16="http://schemas.microsoft.com/office/drawing/2014/main" id="{2F1E55AB-8410-4972-A50C-9FFDEA6B9A73}"/>
-              </a:ext>
-            </a:extLst>
-          </p:cNvPr>
-          <p:cNvSpPr txBox="1"/>
-          <p:nvPr/>
-        </p:nvSpPr>
-        <p:spPr>
-          <a:xfrm>
-            <a:off x="5031747" y="4619451"/>
-            <a:ext cx="917634" cy="276999"/>
-          </a:xfrm>
-          <a:prstGeom prst="rect">
-            <a:avLst/>
-          </a:prstGeom>
-          <a:noFill/>
-        </p:spPr>
-        <p:txBody>
-          <a:bodyPr wrap="square" rtlCol="0">
-            <a:spAutoFit/>
-          </a:bodyPr>
-          <a:lstStyle/>
-          <a:p>
-            <a:pPr algn="ctr"/>
-            <a:r>
-              <a:rPr lang="en-US" sz="1200" dirty="0">
-                <a:solidFill>
-                  <a:schemeClr val="bg1"/>
-                </a:solidFill>
-              </a:rPr>
-              <a:t>Transistor</a:t>
-            </a:r>
-          </a:p>
-        </p:txBody>
-      </p:sp>
-      <p:sp>
-        <p:nvSpPr>
-          <p:cNvPr id="90" name="TextBox 89">
-            <a:extLst>
-              <a:ext uri="{FF2B5EF4-FFF2-40B4-BE49-F238E27FC236}">
-                <a16:creationId xmlns:a16="http://schemas.microsoft.com/office/drawing/2014/main" id="{9625358C-744F-4BE3-BAAE-FBB9299FEE6D}"/>
-              </a:ext>
-            </a:extLst>
-          </p:cNvPr>
-          <p:cNvSpPr txBox="1"/>
-          <p:nvPr/>
-        </p:nvSpPr>
-        <p:spPr>
-          <a:xfrm>
-            <a:off x="6103908" y="4806571"/>
-            <a:ext cx="917634" cy="276999"/>
-          </a:xfrm>
-          <a:prstGeom prst="rect">
-            <a:avLst/>
-          </a:prstGeom>
-          <a:noFill/>
-        </p:spPr>
-        <p:txBody>
-          <a:bodyPr wrap="square" rtlCol="0">
-            <a:spAutoFit/>
-          </a:bodyPr>
-          <a:lstStyle/>
-          <a:p>
-            <a:pPr algn="ctr"/>
-            <a:r>
-              <a:rPr lang="en-US" sz="1200" dirty="0">
-                <a:solidFill>
-                  <a:schemeClr val="bg1"/>
-                </a:solidFill>
-              </a:rPr>
-              <a:t>Transistor</a:t>
-            </a:r>
-          </a:p>
-        </p:txBody>
-      </p:sp>
-      <p:sp>
-        <p:nvSpPr>
-          <p:cNvPr id="91" name="TextBox 90">
-            <a:extLst>
-              <a:ext uri="{FF2B5EF4-FFF2-40B4-BE49-F238E27FC236}">
-                <a16:creationId xmlns:a16="http://schemas.microsoft.com/office/drawing/2014/main" id="{AEF6563F-DBAD-413F-904A-1D31F5221B02}"/>
-              </a:ext>
-            </a:extLst>
-          </p:cNvPr>
-          <p:cNvSpPr txBox="1"/>
-          <p:nvPr/>
-        </p:nvSpPr>
-        <p:spPr>
-          <a:xfrm>
-            <a:off x="2965676" y="5242993"/>
-            <a:ext cx="917634" cy="276999"/>
-          </a:xfrm>
-          <a:prstGeom prst="rect">
-            <a:avLst/>
-          </a:prstGeom>
-          <a:noFill/>
-        </p:spPr>
-        <p:txBody>
-          <a:bodyPr wrap="square" rtlCol="0">
-            <a:spAutoFit/>
-          </a:bodyPr>
-          <a:lstStyle/>
-          <a:p>
-            <a:pPr algn="ctr"/>
-            <a:r>
-              <a:rPr lang="en-US" sz="1200" dirty="0">
-                <a:solidFill>
-                  <a:schemeClr val="bg1"/>
-                </a:solidFill>
-              </a:rPr>
-              <a:t>Button</a:t>
-            </a:r>
-          </a:p>
-        </p:txBody>
-      </p:sp>
-      <p:sp>
-        <p:nvSpPr>
-          <p:cNvPr id="92" name="TextBox 91">
-            <a:extLst>
-              <a:ext uri="{FF2B5EF4-FFF2-40B4-BE49-F238E27FC236}">
-                <a16:creationId xmlns:a16="http://schemas.microsoft.com/office/drawing/2014/main" id="{D6F90041-02F3-4860-8571-8D58C1A76320}"/>
-              </a:ext>
-            </a:extLst>
-          </p:cNvPr>
-          <p:cNvSpPr txBox="1"/>
-          <p:nvPr/>
-        </p:nvSpPr>
-        <p:spPr>
-          <a:xfrm>
-            <a:off x="4012236" y="5260988"/>
-            <a:ext cx="917634" cy="230832"/>
-          </a:xfrm>
-          <a:prstGeom prst="rect">
-            <a:avLst/>
-          </a:prstGeom>
-          <a:noFill/>
-        </p:spPr>
-        <p:txBody>
-          <a:bodyPr wrap="square" rtlCol="0">
-            <a:spAutoFit/>
-          </a:bodyPr>
-          <a:lstStyle/>
-          <a:p>
-            <a:pPr algn="ctr"/>
-            <a:r>
-              <a:rPr lang="en-US" sz="900" dirty="0">
-                <a:solidFill>
-                  <a:schemeClr val="bg1"/>
-                </a:solidFill>
-              </a:rPr>
-              <a:t>Potentiometer</a:t>
-            </a:r>
-          </a:p>
-        </p:txBody>
-      </p:sp>
-      <p:sp>
-        <p:nvSpPr>
-          <p:cNvPr id="93" name="TextBox 92">
-            <a:extLst>
-              <a:ext uri="{FF2B5EF4-FFF2-40B4-BE49-F238E27FC236}">
-                <a16:creationId xmlns:a16="http://schemas.microsoft.com/office/drawing/2014/main" id="{74F80CFB-5774-490D-88F0-FE2843A2B335}"/>
-              </a:ext>
-            </a:extLst>
-          </p:cNvPr>
-          <p:cNvSpPr txBox="1"/>
-          <p:nvPr/>
-        </p:nvSpPr>
-        <p:spPr>
-          <a:xfrm>
-            <a:off x="5039828" y="5251123"/>
-            <a:ext cx="917634" cy="276999"/>
-          </a:xfrm>
-          <a:prstGeom prst="rect">
-            <a:avLst/>
-          </a:prstGeom>
-          <a:noFill/>
-        </p:spPr>
-        <p:txBody>
-          <a:bodyPr wrap="square" rtlCol="0">
-            <a:spAutoFit/>
-          </a:bodyPr>
-          <a:lstStyle/>
-          <a:p>
-            <a:pPr algn="ctr"/>
-            <a:r>
-              <a:rPr lang="en-US" sz="1200" dirty="0">
-                <a:solidFill>
-                  <a:schemeClr val="bg1"/>
-                </a:solidFill>
-              </a:rPr>
-              <a:t>Joystick</a:t>
-            </a:r>
-          </a:p>
-        </p:txBody>
-      </p:sp>
-      <p:sp>
-        <p:nvSpPr>
-          <p:cNvPr id="94" name="TextBox 93">
-            <a:extLst>
-              <a:ext uri="{FF2B5EF4-FFF2-40B4-BE49-F238E27FC236}">
-                <a16:creationId xmlns:a16="http://schemas.microsoft.com/office/drawing/2014/main" id="{56134403-47E1-4A32-A1E5-C6EAEB8A26C2}"/>
-              </a:ext>
-            </a:extLst>
-          </p:cNvPr>
-          <p:cNvSpPr txBox="1"/>
-          <p:nvPr/>
-        </p:nvSpPr>
-        <p:spPr>
-          <a:xfrm>
-            <a:off x="6070141" y="5242993"/>
-            <a:ext cx="1008547" cy="246221"/>
-          </a:xfrm>
-          <a:prstGeom prst="rect">
-            <a:avLst/>
-          </a:prstGeom>
-          <a:noFill/>
-        </p:spPr>
-        <p:txBody>
-          <a:bodyPr wrap="square" rtlCol="0">
-            <a:spAutoFit/>
-          </a:bodyPr>
-          <a:lstStyle/>
-          <a:p>
-            <a:pPr algn="ctr"/>
-            <a:r>
-              <a:rPr lang="en-US" sz="1000" dirty="0">
-                <a:solidFill>
-                  <a:schemeClr val="bg1"/>
-                </a:solidFill>
-              </a:rPr>
-              <a:t>Toggle Switch</a:t>
-            </a:r>
-          </a:p>
-        </p:txBody>
-      </p:sp>
       <p:cxnSp>
         <p:nvCxnSpPr>
           <p:cNvPr id="96" name="Connector: Elbow 95">
@@ -16857,80 +15880,6 @@
       </p:cxnSp>
       <p:cxnSp>
         <p:nvCxnSpPr>
-          <p:cNvPr id="104" name="Straight Connector 103">
-            <a:extLst>
-              <a:ext uri="{FF2B5EF4-FFF2-40B4-BE49-F238E27FC236}">
-                <a16:creationId xmlns:a16="http://schemas.microsoft.com/office/drawing/2014/main" id="{E52B0FE1-4649-413A-9229-D00766DF4E13}"/>
-              </a:ext>
-            </a:extLst>
-          </p:cNvPr>
-          <p:cNvCxnSpPr>
-            <a:stCxn id="78" idx="2"/>
-          </p:cNvCxnSpPr>
-          <p:nvPr/>
-        </p:nvCxnSpPr>
-        <p:spPr>
-          <a:xfrm>
-            <a:off x="4471053" y="5565783"/>
-            <a:ext cx="0" cy="415916"/>
-          </a:xfrm>
-          <a:prstGeom prst="line">
-            <a:avLst/>
-          </a:prstGeom>
-        </p:spPr>
-        <p:style>
-          <a:lnRef idx="1">
-            <a:schemeClr val="dk1"/>
-          </a:lnRef>
-          <a:fillRef idx="0">
-            <a:schemeClr val="dk1"/>
-          </a:fillRef>
-          <a:effectRef idx="0">
-            <a:schemeClr val="dk1"/>
-          </a:effectRef>
-          <a:fontRef idx="minor">
-            <a:schemeClr val="tx1"/>
-          </a:fontRef>
-        </p:style>
-      </p:cxnSp>
-      <p:cxnSp>
-        <p:nvCxnSpPr>
-          <p:cNvPr id="105" name="Straight Connector 104">
-            <a:extLst>
-              <a:ext uri="{FF2B5EF4-FFF2-40B4-BE49-F238E27FC236}">
-                <a16:creationId xmlns:a16="http://schemas.microsoft.com/office/drawing/2014/main" id="{F317B89E-345B-41F2-8068-C1880BD4D6AD}"/>
-              </a:ext>
-            </a:extLst>
-          </p:cNvPr>
-          <p:cNvCxnSpPr/>
-          <p:nvPr/>
-        </p:nvCxnSpPr>
-        <p:spPr>
-          <a:xfrm>
-            <a:off x="5498645" y="5573912"/>
-            <a:ext cx="0" cy="415916"/>
-          </a:xfrm>
-          <a:prstGeom prst="line">
-            <a:avLst/>
-          </a:prstGeom>
-        </p:spPr>
-        <p:style>
-          <a:lnRef idx="1">
-            <a:schemeClr val="dk1"/>
-          </a:lnRef>
-          <a:fillRef idx="0">
-            <a:schemeClr val="dk1"/>
-          </a:fillRef>
-          <a:effectRef idx="0">
-            <a:schemeClr val="dk1"/>
-          </a:effectRef>
-          <a:fontRef idx="minor">
-            <a:schemeClr val="tx1"/>
-          </a:fontRef>
-        </p:style>
-      </p:cxnSp>
-      <p:cxnSp>
-        <p:nvCxnSpPr>
           <p:cNvPr id="106" name="Straight Connector 105">
             <a:extLst>
               <a:ext uri="{FF2B5EF4-FFF2-40B4-BE49-F238E27FC236}">
@@ -16943,7 +15892,7 @@
         </p:nvCxnSpPr>
         <p:spPr>
           <a:xfrm>
-            <a:off x="6581521" y="5573912"/>
+            <a:off x="4481399" y="5553715"/>
             <a:ext cx="0" cy="415916"/>
           </a:xfrm>
           <a:prstGeom prst="line">
@@ -16974,18 +15923,19 @@
               </a:ext>
             </a:extLst>
           </p:cNvPr>
-          <p:cNvCxnSpPr/>
+          <p:cNvCxnSpPr>
+            <a:cxnSpLocks/>
+            <a:endCxn id="10" idx="3"/>
+          </p:cNvCxnSpPr>
           <p:nvPr/>
         </p:nvCxnSpPr>
         <p:spPr>
           <a:xfrm rot="16200000" flipV="1">
-            <a:off x="9606356" y="4158055"/>
-            <a:ext cx="2999588" cy="647700"/>
+            <a:off x="8985985" y="3543312"/>
+            <a:ext cx="3008638" cy="1868135"/>
           </a:xfrm>
-          <a:prstGeom prst="bentConnector3">
-            <a:avLst>
-              <a:gd name="adj1" fmla="val 99900"/>
-            </a:avLst>
+          <a:prstGeom prst="bentConnector2">
+            <a:avLst/>
           </a:prstGeom>
         </p:spPr>
         <p:style>
@@ -17088,167 +16038,14 @@
           </p:cNvPr>
           <p:cNvCxnSpPr>
             <a:cxnSpLocks/>
+            <a:stCxn id="109" idx="2"/>
           </p:cNvCxnSpPr>
           <p:nvPr/>
         </p:nvCxnSpPr>
         <p:spPr>
           <a:xfrm>
-            <a:off x="4178668" y="3821293"/>
-            <a:ext cx="0" cy="585806"/>
-          </a:xfrm>
-          <a:prstGeom prst="line">
-            <a:avLst/>
-          </a:prstGeom>
-        </p:spPr>
-        <p:style>
-          <a:lnRef idx="1">
-            <a:schemeClr val="accent1"/>
-          </a:lnRef>
-          <a:fillRef idx="0">
-            <a:schemeClr val="accent1"/>
-          </a:fillRef>
-          <a:effectRef idx="0">
-            <a:schemeClr val="accent1"/>
-          </a:effectRef>
-          <a:fontRef idx="minor">
-            <a:schemeClr val="tx1"/>
-          </a:fontRef>
-        </p:style>
-      </p:cxnSp>
-      <p:cxnSp>
-        <p:nvCxnSpPr>
-          <p:cNvPr id="118" name="Straight Connector 117">
-            <a:extLst>
-              <a:ext uri="{FF2B5EF4-FFF2-40B4-BE49-F238E27FC236}">
-                <a16:creationId xmlns:a16="http://schemas.microsoft.com/office/drawing/2014/main" id="{2ABD9F94-F94D-4AFC-AC01-1D7E645B3584}"/>
-              </a:ext>
-            </a:extLst>
-          </p:cNvPr>
-          <p:cNvCxnSpPr>
-            <a:cxnSpLocks/>
-          </p:cNvCxnSpPr>
-          <p:nvPr/>
-        </p:nvCxnSpPr>
-        <p:spPr>
-          <a:xfrm>
-            <a:off x="5497199" y="4289318"/>
-            <a:ext cx="0" cy="332521"/>
-          </a:xfrm>
-          <a:prstGeom prst="line">
-            <a:avLst/>
-          </a:prstGeom>
-        </p:spPr>
-        <p:style>
-          <a:lnRef idx="1">
-            <a:schemeClr val="accent1"/>
-          </a:lnRef>
-          <a:fillRef idx="0">
-            <a:schemeClr val="accent1"/>
-          </a:fillRef>
-          <a:effectRef idx="0">
-            <a:schemeClr val="accent1"/>
-          </a:effectRef>
-          <a:fontRef idx="minor">
-            <a:schemeClr val="tx1"/>
-          </a:fontRef>
-        </p:style>
-      </p:cxnSp>
-      <p:cxnSp>
-        <p:nvCxnSpPr>
-          <p:cNvPr id="121" name="Connector: Elbow 120">
-            <a:extLst>
-              <a:ext uri="{FF2B5EF4-FFF2-40B4-BE49-F238E27FC236}">
-                <a16:creationId xmlns:a16="http://schemas.microsoft.com/office/drawing/2014/main" id="{AE58FE5F-2B7F-464F-92DB-5CDFE9199211}"/>
-              </a:ext>
-            </a:extLst>
-          </p:cNvPr>
-          <p:cNvCxnSpPr/>
-          <p:nvPr/>
-        </p:nvCxnSpPr>
-        <p:spPr>
-          <a:xfrm rot="10800000">
-            <a:off x="4610101" y="3821294"/>
-            <a:ext cx="888545" cy="468025"/>
-          </a:xfrm>
-          <a:prstGeom prst="bentConnector3">
-            <a:avLst>
-              <a:gd name="adj1" fmla="val 99617"/>
-            </a:avLst>
-          </a:prstGeom>
-        </p:spPr>
-        <p:style>
-          <a:lnRef idx="1">
-            <a:schemeClr val="accent1"/>
-          </a:lnRef>
-          <a:fillRef idx="0">
-            <a:schemeClr val="accent1"/>
-          </a:fillRef>
-          <a:effectRef idx="0">
-            <a:schemeClr val="accent1"/>
-          </a:effectRef>
-          <a:fontRef idx="minor">
-            <a:schemeClr val="tx1"/>
-          </a:fontRef>
-        </p:style>
-      </p:cxnSp>
-      <p:cxnSp>
-        <p:nvCxnSpPr>
-          <p:cNvPr id="123" name="Connector: Elbow 122">
-            <a:extLst>
-              <a:ext uri="{FF2B5EF4-FFF2-40B4-BE49-F238E27FC236}">
-                <a16:creationId xmlns:a16="http://schemas.microsoft.com/office/drawing/2014/main" id="{2EB76D42-20B5-4773-A758-12D8B48506DA}"/>
-              </a:ext>
-            </a:extLst>
-          </p:cNvPr>
-          <p:cNvCxnSpPr>
-            <a:cxnSpLocks/>
-          </p:cNvCxnSpPr>
-          <p:nvPr/>
-        </p:nvCxnSpPr>
-        <p:spPr>
-          <a:xfrm rot="10800000">
-            <a:off x="5181598" y="3815679"/>
-            <a:ext cx="1498146" cy="389889"/>
-          </a:xfrm>
-          <a:prstGeom prst="bentConnector3">
-            <a:avLst>
-              <a:gd name="adj1" fmla="val 99773"/>
-            </a:avLst>
-          </a:prstGeom>
-        </p:spPr>
-        <p:style>
-          <a:lnRef idx="1">
-            <a:schemeClr val="accent1"/>
-          </a:lnRef>
-          <a:fillRef idx="0">
-            <a:schemeClr val="accent1"/>
-          </a:fillRef>
-          <a:effectRef idx="0">
-            <a:schemeClr val="accent1"/>
-          </a:effectRef>
-          <a:fontRef idx="minor">
-            <a:schemeClr val="tx1"/>
-          </a:fontRef>
-        </p:style>
-      </p:cxnSp>
-      <p:cxnSp>
-        <p:nvCxnSpPr>
-          <p:cNvPr id="127" name="Straight Connector 126">
-            <a:extLst>
-              <a:ext uri="{FF2B5EF4-FFF2-40B4-BE49-F238E27FC236}">
-                <a16:creationId xmlns:a16="http://schemas.microsoft.com/office/drawing/2014/main" id="{EEA85EF6-6B87-4E8B-94BF-CE3CEB906F3C}"/>
-              </a:ext>
-            </a:extLst>
-          </p:cNvPr>
-          <p:cNvCxnSpPr>
-            <a:cxnSpLocks/>
-          </p:cNvCxnSpPr>
-          <p:nvPr/>
-        </p:nvCxnSpPr>
-        <p:spPr>
-          <a:xfrm>
-            <a:off x="6678298" y="4205568"/>
-            <a:ext cx="0" cy="585806"/>
+            <a:off x="4522794" y="3882467"/>
+            <a:ext cx="0" cy="515467"/>
           </a:xfrm>
           <a:prstGeom prst="line">
             <a:avLst/>
@@ -17280,7 +16077,6 @@
           </p:cNvPr>
           <p:cNvCxnSpPr>
             <a:cxnSpLocks/>
-            <a:stCxn id="64" idx="2"/>
             <a:endCxn id="63" idx="0"/>
           </p:cNvCxnSpPr>
           <p:nvPr/>
@@ -17289,46 +16085,6 @@
           <a:xfrm>
             <a:off x="3440821" y="4474162"/>
             <a:ext cx="0" cy="728664"/>
-          </a:xfrm>
-          <a:prstGeom prst="line">
-            <a:avLst/>
-          </a:prstGeom>
-        </p:spPr>
-        <p:style>
-          <a:lnRef idx="1">
-            <a:schemeClr val="accent1"/>
-          </a:lnRef>
-          <a:fillRef idx="0">
-            <a:schemeClr val="accent1"/>
-          </a:fillRef>
-          <a:effectRef idx="0">
-            <a:schemeClr val="accent1"/>
-          </a:effectRef>
-          <a:fontRef idx="minor">
-            <a:schemeClr val="tx1"/>
-          </a:fontRef>
-        </p:style>
-      </p:cxnSp>
-      <p:cxnSp>
-        <p:nvCxnSpPr>
-          <p:cNvPr id="131" name="Straight Connector 130">
-            <a:extLst>
-              <a:ext uri="{FF2B5EF4-FFF2-40B4-BE49-F238E27FC236}">
-                <a16:creationId xmlns:a16="http://schemas.microsoft.com/office/drawing/2014/main" id="{1A5D049A-C493-4A27-8F61-D6208B614444}"/>
-              </a:ext>
-            </a:extLst>
-          </p:cNvPr>
-          <p:cNvCxnSpPr>
-            <a:cxnSpLocks/>
-            <a:stCxn id="65" idx="2"/>
-            <a:endCxn id="78" idx="0"/>
-          </p:cNvCxnSpPr>
-          <p:nvPr/>
-        </p:nvCxnSpPr>
-        <p:spPr>
-          <a:xfrm>
-            <a:off x="4467947" y="4756839"/>
-            <a:ext cx="3106" cy="440367"/>
           </a:xfrm>
           <a:prstGeom prst="line">
             <a:avLst/>
@@ -17389,46 +16145,6 @@
       </p:cxnSp>
       <p:cxnSp>
         <p:nvCxnSpPr>
-          <p:cNvPr id="140" name="Straight Connector 139">
-            <a:extLst>
-              <a:ext uri="{FF2B5EF4-FFF2-40B4-BE49-F238E27FC236}">
-                <a16:creationId xmlns:a16="http://schemas.microsoft.com/office/drawing/2014/main" id="{24844101-07AF-43E1-B017-F7598938CCA1}"/>
-              </a:ext>
-            </a:extLst>
-          </p:cNvPr>
-          <p:cNvCxnSpPr>
-            <a:cxnSpLocks/>
-            <a:stCxn id="66" idx="2"/>
-            <a:endCxn id="79" idx="0"/>
-          </p:cNvCxnSpPr>
-          <p:nvPr/>
-        </p:nvCxnSpPr>
-        <p:spPr>
-          <a:xfrm>
-            <a:off x="5498645" y="4952142"/>
-            <a:ext cx="0" cy="245063"/>
-          </a:xfrm>
-          <a:prstGeom prst="line">
-            <a:avLst/>
-          </a:prstGeom>
-        </p:spPr>
-        <p:style>
-          <a:lnRef idx="1">
-            <a:schemeClr val="accent1"/>
-          </a:lnRef>
-          <a:fillRef idx="0">
-            <a:schemeClr val="accent1"/>
-          </a:fillRef>
-          <a:effectRef idx="0">
-            <a:schemeClr val="accent1"/>
-          </a:effectRef>
-          <a:fontRef idx="minor">
-            <a:schemeClr val="tx1"/>
-          </a:fontRef>
-        </p:style>
-      </p:cxnSp>
-      <p:cxnSp>
-        <p:nvCxnSpPr>
           <p:cNvPr id="144" name="Straight Connector 143">
             <a:extLst>
               <a:ext uri="{FF2B5EF4-FFF2-40B4-BE49-F238E27FC236}">
@@ -17438,15 +16154,15 @@
           </p:cNvPr>
           <p:cNvCxnSpPr>
             <a:cxnSpLocks/>
-            <a:stCxn id="67" idx="2"/>
+            <a:stCxn id="107" idx="2"/>
             <a:endCxn id="80" idx="0"/>
           </p:cNvCxnSpPr>
           <p:nvPr/>
         </p:nvCxnSpPr>
         <p:spPr>
-          <a:xfrm>
-            <a:off x="6542570" y="5129360"/>
-            <a:ext cx="0" cy="75975"/>
+          <a:xfrm flipH="1">
+            <a:off x="4481399" y="4723534"/>
+            <a:ext cx="5982" cy="480988"/>
           </a:xfrm>
           <a:prstGeom prst="line">
             <a:avLst/>
@@ -17521,7 +16237,7 @@
         </p:nvSpPr>
         <p:spPr>
           <a:xfrm>
-            <a:off x="2657136" y="2745923"/>
+            <a:off x="2651757" y="3082015"/>
             <a:ext cx="723900" cy="369332"/>
           </a:xfrm>
           <a:prstGeom prst="rect">
@@ -17538,7 +16254,7 @@
             <a:pPr algn="ctr"/>
             <a:r>
               <a:rPr lang="en-US" dirty="0"/>
-              <a:t>5V</a:t>
+              <a:t>3.3 V</a:t>
             </a:r>
           </a:p>
         </p:txBody>
@@ -17553,14 +16269,15 @@
             </a:extLst>
           </p:cNvPr>
           <p:cNvCxnSpPr>
+            <a:cxnSpLocks/>
             <a:stCxn id="161" idx="1"/>
           </p:cNvCxnSpPr>
           <p:nvPr/>
         </p:nvCxnSpPr>
         <p:spPr>
           <a:xfrm flipH="1">
-            <a:off x="914400" y="2930589"/>
-            <a:ext cx="1742736" cy="0"/>
+            <a:off x="1556721" y="3266681"/>
+            <a:ext cx="1095036" cy="0"/>
           </a:xfrm>
           <a:prstGeom prst="line">
             <a:avLst/>
@@ -17586,28 +16303,776 @@
           </a:fontRef>
         </p:style>
       </p:cxnSp>
+      <p:sp>
+        <p:nvSpPr>
+          <p:cNvPr id="100" name="Rectangle: Rounded Corners 99">
+            <a:extLst>
+              <a:ext uri="{FF2B5EF4-FFF2-40B4-BE49-F238E27FC236}">
+                <a16:creationId xmlns:a16="http://schemas.microsoft.com/office/drawing/2014/main" id="{6BABA790-361F-493E-8389-FDE173401199}"/>
+              </a:ext>
+            </a:extLst>
+          </p:cNvPr>
+          <p:cNvSpPr/>
+          <p:nvPr/>
+        </p:nvSpPr>
+        <p:spPr>
+          <a:xfrm>
+            <a:off x="2955983" y="4105031"/>
+            <a:ext cx="950290" cy="368577"/>
+          </a:xfrm>
+          <a:prstGeom prst="roundRect">
+            <a:avLst/>
+          </a:prstGeom>
+        </p:spPr>
+        <p:style>
+          <a:lnRef idx="2">
+            <a:schemeClr val="accent2">
+              <a:shade val="50000"/>
+            </a:schemeClr>
+          </a:lnRef>
+          <a:fillRef idx="1">
+            <a:schemeClr val="accent2"/>
+          </a:fillRef>
+          <a:effectRef idx="0">
+            <a:schemeClr val="accent2"/>
+          </a:effectRef>
+          <a:fontRef idx="minor">
+            <a:schemeClr val="lt1"/>
+          </a:fontRef>
+        </p:style>
+        <p:txBody>
+          <a:bodyPr rtlCol="0" anchor="ctr"/>
+          <a:lstStyle/>
+          <a:p>
+            <a:pPr algn="ctr"/>
+            <a:r>
+              <a:rPr lang="en-US" sz="1200" dirty="0"/>
+              <a:t>Transistor</a:t>
+            </a:r>
+          </a:p>
+        </p:txBody>
+      </p:sp>
+      <p:sp>
+        <p:nvSpPr>
+          <p:cNvPr id="43" name="TextBox 42">
+            <a:extLst>
+              <a:ext uri="{FF2B5EF4-FFF2-40B4-BE49-F238E27FC236}">
+                <a16:creationId xmlns:a16="http://schemas.microsoft.com/office/drawing/2014/main" id="{468CE0A5-CA96-4849-94E6-C8504C51A393}"/>
+              </a:ext>
+            </a:extLst>
+          </p:cNvPr>
+          <p:cNvSpPr txBox="1"/>
+          <p:nvPr/>
+        </p:nvSpPr>
+        <p:spPr>
+          <a:xfrm>
+            <a:off x="3013707" y="3591319"/>
+            <a:ext cx="867500" cy="276999"/>
+          </a:xfrm>
+          <a:prstGeom prst="rect">
+            <a:avLst/>
+          </a:prstGeom>
+          <a:noFill/>
+        </p:spPr>
+        <p:txBody>
+          <a:bodyPr wrap="square" rtlCol="0">
+            <a:spAutoFit/>
+          </a:bodyPr>
+          <a:lstStyle/>
+          <a:p>
+            <a:pPr algn="ctr"/>
+            <a:r>
+              <a:rPr lang="en-US" sz="1200" dirty="0"/>
+              <a:t>P2.02</a:t>
+            </a:r>
+          </a:p>
+        </p:txBody>
+      </p:sp>
+      <p:sp>
+        <p:nvSpPr>
+          <p:cNvPr id="107" name="Rectangle: Rounded Corners 106">
+            <a:extLst>
+              <a:ext uri="{FF2B5EF4-FFF2-40B4-BE49-F238E27FC236}">
+                <a16:creationId xmlns:a16="http://schemas.microsoft.com/office/drawing/2014/main" id="{85205564-8A55-4E8A-83E2-208147FB42A6}"/>
+              </a:ext>
+            </a:extLst>
+          </p:cNvPr>
+          <p:cNvSpPr/>
+          <p:nvPr/>
+        </p:nvSpPr>
+        <p:spPr>
+          <a:xfrm>
+            <a:off x="4012236" y="4354957"/>
+            <a:ext cx="950290" cy="368577"/>
+          </a:xfrm>
+          <a:prstGeom prst="roundRect">
+            <a:avLst/>
+          </a:prstGeom>
+        </p:spPr>
+        <p:style>
+          <a:lnRef idx="2">
+            <a:schemeClr val="accent2">
+              <a:shade val="50000"/>
+            </a:schemeClr>
+          </a:lnRef>
+          <a:fillRef idx="1">
+            <a:schemeClr val="accent2"/>
+          </a:fillRef>
+          <a:effectRef idx="0">
+            <a:schemeClr val="accent2"/>
+          </a:effectRef>
+          <a:fontRef idx="minor">
+            <a:schemeClr val="lt1"/>
+          </a:fontRef>
+        </p:style>
+        <p:txBody>
+          <a:bodyPr rtlCol="0" anchor="ctr"/>
+          <a:lstStyle/>
+          <a:p>
+            <a:pPr algn="ctr"/>
+            <a:r>
+              <a:rPr lang="en-US" sz="1200" dirty="0"/>
+              <a:t>Transistor</a:t>
+            </a:r>
+          </a:p>
+        </p:txBody>
+      </p:sp>
+      <p:sp>
+        <p:nvSpPr>
+          <p:cNvPr id="109" name="TextBox 108">
+            <a:extLst>
+              <a:ext uri="{FF2B5EF4-FFF2-40B4-BE49-F238E27FC236}">
+                <a16:creationId xmlns:a16="http://schemas.microsoft.com/office/drawing/2014/main" id="{90AA8D33-7324-4AF7-8FAB-89654D170CC0}"/>
+              </a:ext>
+            </a:extLst>
+          </p:cNvPr>
+          <p:cNvSpPr txBox="1"/>
+          <p:nvPr/>
+        </p:nvSpPr>
+        <p:spPr>
+          <a:xfrm>
+            <a:off x="4089044" y="3605468"/>
+            <a:ext cx="867500" cy="276999"/>
+          </a:xfrm>
+          <a:prstGeom prst="rect">
+            <a:avLst/>
+          </a:prstGeom>
+          <a:noFill/>
+        </p:spPr>
+        <p:txBody>
+          <a:bodyPr wrap="square" rtlCol="0">
+            <a:spAutoFit/>
+          </a:bodyPr>
+          <a:lstStyle/>
+          <a:p>
+            <a:pPr algn="ctr"/>
+            <a:r>
+              <a:rPr lang="en-US" sz="1200" dirty="0"/>
+              <a:t>P2.04</a:t>
+            </a:r>
+          </a:p>
+        </p:txBody>
+      </p:sp>
+      <p:sp>
+        <p:nvSpPr>
+          <p:cNvPr id="112" name="TextBox 111">
+            <a:extLst>
+              <a:ext uri="{FF2B5EF4-FFF2-40B4-BE49-F238E27FC236}">
+                <a16:creationId xmlns:a16="http://schemas.microsoft.com/office/drawing/2014/main" id="{AD5E6E46-D770-455D-B680-C25E5B1CA270}"/>
+              </a:ext>
+            </a:extLst>
+          </p:cNvPr>
+          <p:cNvSpPr txBox="1"/>
+          <p:nvPr/>
+        </p:nvSpPr>
+        <p:spPr>
+          <a:xfrm>
+            <a:off x="7823520" y="3574185"/>
+            <a:ext cx="867500" cy="276999"/>
+          </a:xfrm>
+          <a:prstGeom prst="rect">
+            <a:avLst/>
+          </a:prstGeom>
+          <a:noFill/>
+        </p:spPr>
+        <p:txBody>
+          <a:bodyPr wrap="square" rtlCol="0">
+            <a:spAutoFit/>
+          </a:bodyPr>
+          <a:lstStyle/>
+          <a:p>
+            <a:pPr algn="ctr"/>
+            <a:r>
+              <a:rPr lang="en-US" sz="1200" dirty="0"/>
+              <a:t>P2.01</a:t>
+            </a:r>
+          </a:p>
+        </p:txBody>
+      </p:sp>
+      <p:graphicFrame>
+        <p:nvGraphicFramePr>
+          <p:cNvPr id="53" name="Table 53">
+            <a:extLst>
+              <a:ext uri="{FF2B5EF4-FFF2-40B4-BE49-F238E27FC236}">
+                <a16:creationId xmlns:a16="http://schemas.microsoft.com/office/drawing/2014/main" id="{D92310D8-4A6B-48CB-8811-7ADC814BF52C}"/>
+              </a:ext>
+            </a:extLst>
+          </p:cNvPr>
+          <p:cNvGraphicFramePr>
+            <a:graphicFrameLocks noGrp="1"/>
+          </p:cNvGraphicFramePr>
+          <p:nvPr>
+            <p:extLst>
+              <p:ext uri="{D42A27DB-BD31-4B8C-83A1-F6EECF244321}">
+                <p14:modId xmlns:p14="http://schemas.microsoft.com/office/powerpoint/2010/main" val="766244755"/>
+              </p:ext>
+            </p:extLst>
+          </p:nvPr>
+        </p:nvGraphicFramePr>
+        <p:xfrm>
+          <a:off x="3520689" y="1469066"/>
+          <a:ext cx="5150622" cy="741680"/>
+        </p:xfrm>
+        <a:graphic>
+          <a:graphicData uri="http://schemas.openxmlformats.org/drawingml/2006/table">
+            <a:tbl>
+              <a:tblPr firstRow="1" bandRow="1">
+                <a:tableStyleId>{2D5ABB26-0587-4C30-8999-92F81FD0307C}</a:tableStyleId>
+              </a:tblPr>
+              <a:tblGrid>
+                <a:gridCol w="644019">
+                  <a:extLst>
+                    <a:ext uri="{9D8B030D-6E8A-4147-A177-3AD203B41FA5}">
+                      <a16:colId xmlns:a16="http://schemas.microsoft.com/office/drawing/2014/main" val="3177839796"/>
+                    </a:ext>
+                  </a:extLst>
+                </a:gridCol>
+                <a:gridCol w="496959">
+                  <a:extLst>
+                    <a:ext uri="{9D8B030D-6E8A-4147-A177-3AD203B41FA5}">
+                      <a16:colId xmlns:a16="http://schemas.microsoft.com/office/drawing/2014/main" val="2553751829"/>
+                    </a:ext>
+                  </a:extLst>
+                </a:gridCol>
+                <a:gridCol w="735587">
+                  <a:extLst>
+                    <a:ext uri="{9D8B030D-6E8A-4147-A177-3AD203B41FA5}">
+                      <a16:colId xmlns:a16="http://schemas.microsoft.com/office/drawing/2014/main" val="700091606"/>
+                    </a:ext>
+                  </a:extLst>
+                </a:gridCol>
+                <a:gridCol w="496959">
+                  <a:extLst>
+                    <a:ext uri="{9D8B030D-6E8A-4147-A177-3AD203B41FA5}">
+                      <a16:colId xmlns:a16="http://schemas.microsoft.com/office/drawing/2014/main" val="702335147"/>
+                    </a:ext>
+                  </a:extLst>
+                </a:gridCol>
+                <a:gridCol w="496959">
+                  <a:extLst>
+                    <a:ext uri="{9D8B030D-6E8A-4147-A177-3AD203B41FA5}">
+                      <a16:colId xmlns:a16="http://schemas.microsoft.com/office/drawing/2014/main" val="2029683849"/>
+                    </a:ext>
+                  </a:extLst>
+                </a:gridCol>
+                <a:gridCol w="496959">
+                  <a:extLst>
+                    <a:ext uri="{9D8B030D-6E8A-4147-A177-3AD203B41FA5}">
+                      <a16:colId xmlns:a16="http://schemas.microsoft.com/office/drawing/2014/main" val="2142956572"/>
+                    </a:ext>
+                  </a:extLst>
+                </a:gridCol>
+                <a:gridCol w="496959">
+                  <a:extLst>
+                    <a:ext uri="{9D8B030D-6E8A-4147-A177-3AD203B41FA5}">
+                      <a16:colId xmlns:a16="http://schemas.microsoft.com/office/drawing/2014/main" val="3924716983"/>
+                    </a:ext>
+                  </a:extLst>
+                </a:gridCol>
+                <a:gridCol w="496959">
+                  <a:extLst>
+                    <a:ext uri="{9D8B030D-6E8A-4147-A177-3AD203B41FA5}">
+                      <a16:colId xmlns:a16="http://schemas.microsoft.com/office/drawing/2014/main" val="3166827437"/>
+                    </a:ext>
+                  </a:extLst>
+                </a:gridCol>
+                <a:gridCol w="789262">
+                  <a:extLst>
+                    <a:ext uri="{9D8B030D-6E8A-4147-A177-3AD203B41FA5}">
+                      <a16:colId xmlns:a16="http://schemas.microsoft.com/office/drawing/2014/main" val="534256035"/>
+                    </a:ext>
+                  </a:extLst>
+                </a:gridCol>
+              </a:tblGrid>
+              <a:tr h="370840">
+                <a:tc>
+                  <a:txBody>
+                    <a:bodyPr/>
+                    <a:lstStyle/>
+                    <a:p>
+                      <a:pPr algn="ctr"/>
+                      <a:r>
+                        <a:rPr lang="en-US" sz="900" b="0" dirty="0"/>
+                        <a:t>[PB Pin]</a:t>
+                      </a:r>
+                    </a:p>
+                  </a:txBody>
+                  <a:tcPr anchor="ctr">
+                    <a:lnL w="12700" cap="flat" cmpd="sng" algn="ctr">
+                      <a:solidFill>
+                        <a:schemeClr val="tx1"/>
+                      </a:solidFill>
+                      <a:prstDash val="solid"/>
+                      <a:round/>
+                      <a:headEnd type="none" w="med" len="med"/>
+                      <a:tailEnd type="none" w="med" len="med"/>
+                    </a:lnL>
+                    <a:lnT w="12700" cap="flat" cmpd="sng" algn="ctr">
+                      <a:solidFill>
+                        <a:schemeClr val="tx1"/>
+                      </a:solidFill>
+                      <a:prstDash val="solid"/>
+                      <a:round/>
+                      <a:headEnd type="none" w="med" len="med"/>
+                      <a:tailEnd type="none" w="med" len="med"/>
+                    </a:lnT>
+                  </a:tcPr>
+                </a:tc>
+                <a:tc>
+                  <a:txBody>
+                    <a:bodyPr/>
+                    <a:lstStyle/>
+                    <a:p>
+                      <a:pPr algn="ctr"/>
+                      <a:r>
+                        <a:rPr lang="en-US" sz="900" b="0" dirty="0"/>
+                        <a:t>P1.16</a:t>
+                      </a:r>
+                    </a:p>
+                  </a:txBody>
+                  <a:tcPr anchor="ctr">
+                    <a:lnT w="12700" cap="flat" cmpd="sng" algn="ctr">
+                      <a:solidFill>
+                        <a:schemeClr val="tx1"/>
+                      </a:solidFill>
+                      <a:prstDash val="solid"/>
+                      <a:round/>
+                      <a:headEnd type="none" w="med" len="med"/>
+                      <a:tailEnd type="none" w="med" len="med"/>
+                    </a:lnT>
+                  </a:tcPr>
+                </a:tc>
+                <a:tc>
+                  <a:txBody>
+                    <a:bodyPr/>
+                    <a:lstStyle/>
+                    <a:p>
+                      <a:pPr algn="ctr"/>
+                      <a:r>
+                        <a:rPr lang="en-US" sz="900" b="0" dirty="0"/>
+                        <a:t>P1.14</a:t>
+                      </a:r>
+                    </a:p>
+                  </a:txBody>
+                  <a:tcPr anchor="ctr">
+                    <a:lnT w="12700" cap="flat" cmpd="sng" algn="ctr">
+                      <a:solidFill>
+                        <a:schemeClr val="tx1"/>
+                      </a:solidFill>
+                      <a:prstDash val="solid"/>
+                      <a:round/>
+                      <a:headEnd type="none" w="med" len="med"/>
+                      <a:tailEnd type="none" w="med" len="med"/>
+                    </a:lnT>
+                  </a:tcPr>
+                </a:tc>
+                <a:tc>
+                  <a:txBody>
+                    <a:bodyPr/>
+                    <a:lstStyle/>
+                    <a:p>
+                      <a:pPr algn="ctr"/>
+                      <a:r>
+                        <a:rPr lang="en-US" sz="900" b="0" dirty="0"/>
+                        <a:t>P1.08</a:t>
+                      </a:r>
+                    </a:p>
+                  </a:txBody>
+                  <a:tcPr anchor="ctr">
+                    <a:lnT w="12700" cap="flat" cmpd="sng" algn="ctr">
+                      <a:solidFill>
+                        <a:schemeClr val="tx1"/>
+                      </a:solidFill>
+                      <a:prstDash val="solid"/>
+                      <a:round/>
+                      <a:headEnd type="none" w="med" len="med"/>
+                      <a:tailEnd type="none" w="med" len="med"/>
+                    </a:lnT>
+                  </a:tcPr>
+                </a:tc>
+                <a:tc>
+                  <a:txBody>
+                    <a:bodyPr/>
+                    <a:lstStyle/>
+                    <a:p>
+                      <a:pPr algn="ctr"/>
+                      <a:r>
+                        <a:rPr lang="en-US" sz="900" b="0" dirty="0"/>
+                        <a:t>P1.10</a:t>
+                      </a:r>
+                    </a:p>
+                  </a:txBody>
+                  <a:tcPr anchor="ctr">
+                    <a:lnT w="12700" cap="flat" cmpd="sng" algn="ctr">
+                      <a:solidFill>
+                        <a:schemeClr val="tx1"/>
+                      </a:solidFill>
+                      <a:prstDash val="solid"/>
+                      <a:round/>
+                      <a:headEnd type="none" w="med" len="med"/>
+                      <a:tailEnd type="none" w="med" len="med"/>
+                    </a:lnT>
+                  </a:tcPr>
+                </a:tc>
+                <a:tc>
+                  <a:txBody>
+                    <a:bodyPr/>
+                    <a:lstStyle/>
+                    <a:p>
+                      <a:pPr algn="ctr"/>
+                      <a:r>
+                        <a:rPr lang="en-US" sz="900" b="0" dirty="0"/>
+                        <a:t>P1.12</a:t>
+                      </a:r>
+                    </a:p>
+                  </a:txBody>
+                  <a:tcPr anchor="ctr">
+                    <a:lnT w="12700" cap="flat" cmpd="sng" algn="ctr">
+                      <a:solidFill>
+                        <a:schemeClr val="tx1"/>
+                      </a:solidFill>
+                      <a:prstDash val="solid"/>
+                      <a:round/>
+                      <a:headEnd type="none" w="med" len="med"/>
+                      <a:tailEnd type="none" w="med" len="med"/>
+                    </a:lnT>
+                  </a:tcPr>
+                </a:tc>
+                <a:tc>
+                  <a:txBody>
+                    <a:bodyPr/>
+                    <a:lstStyle/>
+                    <a:p>
+                      <a:pPr algn="ctr"/>
+                      <a:r>
+                        <a:rPr lang="en-US" sz="900" b="0" dirty="0"/>
+                        <a:t>P1.02</a:t>
+                      </a:r>
+                    </a:p>
+                  </a:txBody>
+                  <a:tcPr anchor="ctr">
+                    <a:lnT w="12700" cap="flat" cmpd="sng" algn="ctr">
+                      <a:solidFill>
+                        <a:schemeClr val="tx1"/>
+                      </a:solidFill>
+                      <a:prstDash val="solid"/>
+                      <a:round/>
+                      <a:headEnd type="none" w="med" len="med"/>
+                      <a:tailEnd type="none" w="med" len="med"/>
+                    </a:lnT>
+                  </a:tcPr>
+                </a:tc>
+                <a:tc>
+                  <a:txBody>
+                    <a:bodyPr/>
+                    <a:lstStyle/>
+                    <a:p>
+                      <a:pPr algn="ctr"/>
+                      <a:r>
+                        <a:rPr lang="en-US" sz="900" b="0" dirty="0"/>
+                        <a:t>P1.04</a:t>
+                      </a:r>
+                    </a:p>
+                  </a:txBody>
+                  <a:tcPr anchor="ctr">
+                    <a:lnT w="12700" cap="flat" cmpd="sng" algn="ctr">
+                      <a:solidFill>
+                        <a:schemeClr val="tx1"/>
+                      </a:solidFill>
+                      <a:prstDash val="solid"/>
+                      <a:round/>
+                      <a:headEnd type="none" w="med" len="med"/>
+                      <a:tailEnd type="none" w="med" len="med"/>
+                    </a:lnT>
+                  </a:tcPr>
+                </a:tc>
+                <a:tc>
+                  <a:txBody>
+                    <a:bodyPr/>
+                    <a:lstStyle/>
+                    <a:p>
+                      <a:pPr algn="ctr"/>
+                      <a:r>
+                        <a:rPr lang="en-US" sz="900" b="0" dirty="0"/>
+                        <a:t>P1.06</a:t>
+                      </a:r>
+                    </a:p>
+                  </a:txBody>
+                  <a:tcPr anchor="ctr">
+                    <a:lnR w="12700" cap="flat" cmpd="sng" algn="ctr">
+                      <a:solidFill>
+                        <a:schemeClr val="tx1"/>
+                      </a:solidFill>
+                      <a:prstDash val="solid"/>
+                      <a:round/>
+                      <a:headEnd type="none" w="med" len="med"/>
+                      <a:tailEnd type="none" w="med" len="med"/>
+                    </a:lnR>
+                    <a:lnT w="12700" cap="flat" cmpd="sng" algn="ctr">
+                      <a:solidFill>
+                        <a:schemeClr val="tx1"/>
+                      </a:solidFill>
+                      <a:prstDash val="solid"/>
+                      <a:round/>
+                      <a:headEnd type="none" w="med" len="med"/>
+                      <a:tailEnd type="none" w="med" len="med"/>
+                    </a:lnT>
+                  </a:tcPr>
+                </a:tc>
+                <a:extLst>
+                  <a:ext uri="{0D108BD9-81ED-4DB2-BD59-A6C34878D82A}">
+                    <a16:rowId xmlns:a16="http://schemas.microsoft.com/office/drawing/2014/main" val="1039493881"/>
+                  </a:ext>
+                </a:extLst>
+              </a:tr>
+              <a:tr h="370840">
+                <a:tc>
+                  <a:txBody>
+                    <a:bodyPr/>
+                    <a:lstStyle/>
+                    <a:p>
+                      <a:pPr algn="ctr"/>
+                      <a:r>
+                        <a:rPr lang="en-US" sz="900" b="0" dirty="0"/>
+                        <a:t>[SPI Pin]</a:t>
+                      </a:r>
+                    </a:p>
+                  </a:txBody>
+                  <a:tcPr anchor="ctr">
+                    <a:lnL w="12700" cap="flat" cmpd="sng" algn="ctr">
+                      <a:solidFill>
+                        <a:schemeClr val="tx1"/>
+                      </a:solidFill>
+                      <a:prstDash val="solid"/>
+                      <a:round/>
+                      <a:headEnd type="none" w="med" len="med"/>
+                      <a:tailEnd type="none" w="med" len="med"/>
+                    </a:lnL>
+                  </a:tcPr>
+                </a:tc>
+                <a:tc>
+                  <a:txBody>
+                    <a:bodyPr/>
+                    <a:lstStyle/>
+                    <a:p>
+                      <a:pPr algn="ctr"/>
+                      <a:r>
+                        <a:rPr lang="en-US" sz="900" b="0" dirty="0"/>
+                        <a:t>GND</a:t>
+                      </a:r>
+                    </a:p>
+                  </a:txBody>
+                  <a:tcPr anchor="ctr"/>
+                </a:tc>
+                <a:tc>
+                  <a:txBody>
+                    <a:bodyPr/>
+                    <a:lstStyle/>
+                    <a:p>
+                      <a:pPr algn="ctr"/>
+                      <a:r>
+                        <a:rPr lang="en-US" sz="900" b="0" dirty="0"/>
+                        <a:t>VIN (</a:t>
+                      </a:r>
+                      <a:r>
+                        <a:rPr lang="en-US" sz="800" b="0" dirty="0"/>
+                        <a:t>3.3V</a:t>
+                      </a:r>
+                      <a:r>
+                        <a:rPr lang="en-US" sz="900" b="0" dirty="0"/>
+                        <a:t>)</a:t>
+                      </a:r>
+                    </a:p>
+                  </a:txBody>
+                  <a:tcPr anchor="ctr"/>
+                </a:tc>
+                <a:tc>
+                  <a:txBody>
+                    <a:bodyPr/>
+                    <a:lstStyle/>
+                    <a:p>
+                      <a:pPr algn="ctr"/>
+                      <a:r>
+                        <a:rPr lang="en-US" sz="900" b="0" dirty="0"/>
+                        <a:t>CLK</a:t>
+                      </a:r>
+                    </a:p>
+                  </a:txBody>
+                  <a:tcPr anchor="ctr"/>
+                </a:tc>
+                <a:tc>
+                  <a:txBody>
+                    <a:bodyPr/>
+                    <a:lstStyle/>
+                    <a:p>
+                      <a:pPr algn="ctr"/>
+                      <a:r>
+                        <a:rPr lang="en-US" sz="900" b="0" dirty="0"/>
+                        <a:t>MISO</a:t>
+                      </a:r>
+                    </a:p>
+                  </a:txBody>
+                  <a:tcPr anchor="ctr"/>
+                </a:tc>
+                <a:tc>
+                  <a:txBody>
+                    <a:bodyPr/>
+                    <a:lstStyle/>
+                    <a:p>
+                      <a:pPr algn="ctr"/>
+                      <a:r>
+                        <a:rPr lang="en-US" sz="900" b="0" dirty="0"/>
+                        <a:t>MOSI</a:t>
+                      </a:r>
+                    </a:p>
+                  </a:txBody>
+                  <a:tcPr anchor="ctr"/>
+                </a:tc>
+                <a:tc>
+                  <a:txBody>
+                    <a:bodyPr/>
+                    <a:lstStyle/>
+                    <a:p>
+                      <a:pPr algn="ctr"/>
+                      <a:r>
+                        <a:rPr lang="en-US" sz="900" b="0" dirty="0"/>
+                        <a:t>RST</a:t>
+                      </a:r>
+                    </a:p>
+                  </a:txBody>
+                  <a:tcPr anchor="ctr"/>
+                </a:tc>
+                <a:tc>
+                  <a:txBody>
+                    <a:bodyPr/>
+                    <a:lstStyle/>
+                    <a:p>
+                      <a:pPr algn="ctr"/>
+                      <a:r>
+                        <a:rPr lang="en-US" sz="900" b="0" dirty="0"/>
+                        <a:t>D/C</a:t>
+                      </a:r>
+                    </a:p>
+                  </a:txBody>
+                  <a:tcPr anchor="ctr"/>
+                </a:tc>
+                <a:tc>
+                  <a:txBody>
+                    <a:bodyPr/>
+                    <a:lstStyle/>
+                    <a:p>
+                      <a:pPr algn="ctr"/>
+                      <a:r>
+                        <a:rPr lang="en-US" sz="900" b="0" dirty="0"/>
+                        <a:t>CS</a:t>
+                      </a:r>
+                    </a:p>
+                  </a:txBody>
+                  <a:tcPr anchor="ctr">
+                    <a:lnR w="12700" cap="flat" cmpd="sng" algn="ctr">
+                      <a:solidFill>
+                        <a:schemeClr val="tx1"/>
+                      </a:solidFill>
+                      <a:prstDash val="solid"/>
+                      <a:round/>
+                      <a:headEnd type="none" w="med" len="med"/>
+                      <a:tailEnd type="none" w="med" len="med"/>
+                    </a:lnR>
+                  </a:tcPr>
+                </a:tc>
+                <a:extLst>
+                  <a:ext uri="{0D108BD9-81ED-4DB2-BD59-A6C34878D82A}">
+                    <a16:rowId xmlns:a16="http://schemas.microsoft.com/office/drawing/2014/main" val="448874534"/>
+                  </a:ext>
+                </a:extLst>
+              </a:tr>
+            </a:tbl>
+          </a:graphicData>
+        </a:graphic>
+      </p:graphicFrame>
       <p:cxnSp>
         <p:nvCxnSpPr>
-          <p:cNvPr id="164" name="Connector: Elbow 163">
+          <p:cNvPr id="58" name="Connector: Elbow 57">
             <a:extLst>
               <a:ext uri="{FF2B5EF4-FFF2-40B4-BE49-F238E27FC236}">
-                <a16:creationId xmlns:a16="http://schemas.microsoft.com/office/drawing/2014/main" id="{7E32FD57-811D-43FC-9439-C548323633B1}"/>
+                <a16:creationId xmlns:a16="http://schemas.microsoft.com/office/drawing/2014/main" id="{37F9C1E0-2912-4A92-A6C5-7F142BDA057D}"/>
+              </a:ext>
+            </a:extLst>
+          </p:cNvPr>
+          <p:cNvCxnSpPr>
+            <a:endCxn id="9" idx="1"/>
+          </p:cNvCxnSpPr>
+          <p:nvPr/>
+        </p:nvCxnSpPr>
+        <p:spPr>
+          <a:xfrm flipV="1">
+            <a:off x="6047428" y="601144"/>
+            <a:ext cx="2220272" cy="867922"/>
+          </a:xfrm>
+          <a:prstGeom prst="bentConnector3">
+            <a:avLst>
+              <a:gd name="adj1" fmla="val -509"/>
+            </a:avLst>
+          </a:prstGeom>
+        </p:spPr>
+        <p:style>
+          <a:lnRef idx="1">
+            <a:schemeClr val="dk1"/>
+          </a:lnRef>
+          <a:fillRef idx="0">
+            <a:schemeClr val="dk1"/>
+          </a:fillRef>
+          <a:effectRef idx="0">
+            <a:schemeClr val="dk1"/>
+          </a:effectRef>
+          <a:fontRef idx="minor">
+            <a:schemeClr val="tx1"/>
+          </a:fontRef>
+        </p:style>
+      </p:cxnSp>
+      <p:cxnSp>
+        <p:nvCxnSpPr>
+          <p:cNvPr id="83" name="Connector: Elbow 82">
+            <a:extLst>
+              <a:ext uri="{FF2B5EF4-FFF2-40B4-BE49-F238E27FC236}">
+                <a16:creationId xmlns:a16="http://schemas.microsoft.com/office/drawing/2014/main" id="{6C8CCAB0-C3CA-4A76-8A6C-94F345EBAAD8}"/>
               </a:ext>
             </a:extLst>
           </p:cNvPr>
           <p:cNvCxnSpPr>
             <a:cxnSpLocks/>
+            <a:endCxn id="107" idx="1"/>
           </p:cNvCxnSpPr>
           <p:nvPr/>
         </p:nvCxnSpPr>
         <p:spPr>
-          <a:xfrm rot="10800000">
-            <a:off x="938978" y="2930589"/>
-            <a:ext cx="5141715" cy="2144086"/>
+          <a:xfrm>
+            <a:off x="1550132" y="3266681"/>
+            <a:ext cx="2462104" cy="1272565"/>
           </a:xfrm>
           <a:prstGeom prst="bentConnector3">
             <a:avLst>
-              <a:gd name="adj1" fmla="val 100388"/>
+              <a:gd name="adj1" fmla="val 94"/>
             </a:avLst>
           </a:prstGeom>
           <a:ln>
@@ -17631,28 +17096,101 @@
           </a:fontRef>
         </p:style>
       </p:cxnSp>
+      <p:sp>
+        <p:nvSpPr>
+          <p:cNvPr id="130" name="TextBox 129">
+            <a:extLst>
+              <a:ext uri="{FF2B5EF4-FFF2-40B4-BE49-F238E27FC236}">
+                <a16:creationId xmlns:a16="http://schemas.microsoft.com/office/drawing/2014/main" id="{378691A0-910B-4C46-BB87-E5B585CD478B}"/>
+              </a:ext>
+            </a:extLst>
+          </p:cNvPr>
+          <p:cNvSpPr txBox="1"/>
+          <p:nvPr/>
+        </p:nvSpPr>
+        <p:spPr>
+          <a:xfrm>
+            <a:off x="2408465" y="2440546"/>
+            <a:ext cx="1095036" cy="369332"/>
+          </a:xfrm>
+          <a:prstGeom prst="rect">
+            <a:avLst/>
+          </a:prstGeom>
+          <a:noFill/>
+        </p:spPr>
+        <p:txBody>
+          <a:bodyPr wrap="square" rtlCol="0">
+            <a:spAutoFit/>
+          </a:bodyPr>
+          <a:lstStyle/>
+          <a:p>
+            <a:pPr algn="ctr"/>
+            <a:r>
+              <a:rPr lang="en-US" dirty="0"/>
+              <a:t>REF +</a:t>
+            </a:r>
+          </a:p>
+        </p:txBody>
+      </p:sp>
+      <p:sp>
+        <p:nvSpPr>
+          <p:cNvPr id="133" name="TextBox 132">
+            <a:extLst>
+              <a:ext uri="{FF2B5EF4-FFF2-40B4-BE49-F238E27FC236}">
+                <a16:creationId xmlns:a16="http://schemas.microsoft.com/office/drawing/2014/main" id="{3F79DEE0-33DB-4441-A864-01771E6C65FF}"/>
+              </a:ext>
+            </a:extLst>
+          </p:cNvPr>
+          <p:cNvSpPr txBox="1"/>
+          <p:nvPr/>
+        </p:nvSpPr>
+        <p:spPr>
+          <a:xfrm>
+            <a:off x="8658173" y="2470682"/>
+            <a:ext cx="1095036" cy="369332"/>
+          </a:xfrm>
+          <a:prstGeom prst="rect">
+            <a:avLst/>
+          </a:prstGeom>
+          <a:noFill/>
+        </p:spPr>
+        <p:txBody>
+          <a:bodyPr wrap="square" rtlCol="0">
+            <a:spAutoFit/>
+          </a:bodyPr>
+          <a:lstStyle/>
+          <a:p>
+            <a:pPr algn="ctr"/>
+            <a:r>
+              <a:rPr lang="en-US" dirty="0"/>
+              <a:t>REF -</a:t>
+            </a:r>
+          </a:p>
+        </p:txBody>
+      </p:sp>
       <p:cxnSp>
         <p:nvCxnSpPr>
-          <p:cNvPr id="169" name="Connector: Elbow 168">
+          <p:cNvPr id="134" name="Connector: Elbow 133">
             <a:extLst>
               <a:ext uri="{FF2B5EF4-FFF2-40B4-BE49-F238E27FC236}">
-                <a16:creationId xmlns:a16="http://schemas.microsoft.com/office/drawing/2014/main" id="{2AD2FB2E-9E03-4986-8397-54738AED3AED}"/>
+                <a16:creationId xmlns:a16="http://schemas.microsoft.com/office/drawing/2014/main" id="{88257537-1F45-4AC8-8EDE-118E7873DA10}"/>
               </a:ext>
             </a:extLst>
           </p:cNvPr>
           <p:cNvCxnSpPr>
             <a:cxnSpLocks/>
+            <a:endCxn id="100" idx="1"/>
           </p:cNvCxnSpPr>
           <p:nvPr/>
         </p:nvCxnSpPr>
         <p:spPr>
-          <a:xfrm rot="10800000">
-            <a:off x="1065185" y="2930590"/>
-            <a:ext cx="3966563" cy="1965860"/>
+          <a:xfrm>
+            <a:off x="1761702" y="3266680"/>
+            <a:ext cx="1194281" cy="1022640"/>
           </a:xfrm>
           <a:prstGeom prst="bentConnector3">
             <a:avLst>
-              <a:gd name="adj1" fmla="val 94322"/>
+              <a:gd name="adj1" fmla="val 23826"/>
             </a:avLst>
           </a:prstGeom>
           <a:ln>
@@ -17676,29 +17214,458 @@
           </a:fontRef>
         </p:style>
       </p:cxnSp>
+      <p:sp>
+        <p:nvSpPr>
+          <p:cNvPr id="138" name="Rectangle: Rounded Corners 137">
+            <a:extLst>
+              <a:ext uri="{FF2B5EF4-FFF2-40B4-BE49-F238E27FC236}">
+                <a16:creationId xmlns:a16="http://schemas.microsoft.com/office/drawing/2014/main" id="{E556A4DF-5C29-4244-9BAC-6B276A1B99BA}"/>
+              </a:ext>
+            </a:extLst>
+          </p:cNvPr>
+          <p:cNvSpPr/>
+          <p:nvPr/>
+        </p:nvSpPr>
+        <p:spPr>
+          <a:xfrm>
+            <a:off x="5097138" y="4562076"/>
+            <a:ext cx="950290" cy="368577"/>
+          </a:xfrm>
+          <a:prstGeom prst="roundRect">
+            <a:avLst/>
+          </a:prstGeom>
+        </p:spPr>
+        <p:style>
+          <a:lnRef idx="2">
+            <a:schemeClr val="accent2">
+              <a:shade val="50000"/>
+            </a:schemeClr>
+          </a:lnRef>
+          <a:fillRef idx="1">
+            <a:schemeClr val="accent2"/>
+          </a:fillRef>
+          <a:effectRef idx="0">
+            <a:schemeClr val="accent2"/>
+          </a:effectRef>
+          <a:fontRef idx="minor">
+            <a:schemeClr val="lt1"/>
+          </a:fontRef>
+        </p:style>
+        <p:txBody>
+          <a:bodyPr rtlCol="0" anchor="ctr"/>
+          <a:lstStyle/>
+          <a:p>
+            <a:pPr algn="ctr"/>
+            <a:r>
+              <a:rPr lang="en-US" sz="1200" dirty="0"/>
+              <a:t>Transistor</a:t>
+            </a:r>
+          </a:p>
+        </p:txBody>
+      </p:sp>
       <p:cxnSp>
         <p:nvCxnSpPr>
-          <p:cNvPr id="173" name="Connector: Elbow 172">
+          <p:cNvPr id="141" name="Straight Connector 140">
             <a:extLst>
               <a:ext uri="{FF2B5EF4-FFF2-40B4-BE49-F238E27FC236}">
-                <a16:creationId xmlns:a16="http://schemas.microsoft.com/office/drawing/2014/main" id="{139A1740-4964-4191-A9A1-9382A9B553E9}"/>
+                <a16:creationId xmlns:a16="http://schemas.microsoft.com/office/drawing/2014/main" id="{44435B23-41ED-44AE-9ED5-0CC91683AFF4}"/>
               </a:ext>
             </a:extLst>
           </p:cNvPr>
           <p:cNvCxnSpPr>
             <a:cxnSpLocks/>
-            <a:stCxn id="65" idx="1"/>
           </p:cNvCxnSpPr>
           <p:nvPr/>
         </p:nvCxnSpPr>
         <p:spPr>
-          <a:xfrm rot="10800000">
-            <a:off x="1612324" y="2930591"/>
-            <a:ext cx="2380478" cy="1641961"/>
+          <a:xfrm flipH="1">
+            <a:off x="609600" y="2634543"/>
+            <a:ext cx="1966954" cy="0"/>
+          </a:xfrm>
+          <a:prstGeom prst="line">
+            <a:avLst/>
+          </a:prstGeom>
+          <a:ln>
+            <a:solidFill>
+              <a:srgbClr val="7030A0"/>
+            </a:solidFill>
+          </a:ln>
+        </p:spPr>
+        <p:style>
+          <a:lnRef idx="1">
+            <a:schemeClr val="accent1"/>
+          </a:lnRef>
+          <a:fillRef idx="0">
+            <a:schemeClr val="accent1"/>
+          </a:fillRef>
+          <a:effectRef idx="0">
+            <a:schemeClr val="accent1"/>
+          </a:effectRef>
+          <a:fontRef idx="minor">
+            <a:schemeClr val="tx1"/>
+          </a:fontRef>
+        </p:style>
+      </p:cxnSp>
+      <p:cxnSp>
+        <p:nvCxnSpPr>
+          <p:cNvPr id="142" name="Connector: Elbow 141">
+            <a:extLst>
+              <a:ext uri="{FF2B5EF4-FFF2-40B4-BE49-F238E27FC236}">
+                <a16:creationId xmlns:a16="http://schemas.microsoft.com/office/drawing/2014/main" id="{C0BD2D00-C576-4DD4-938A-A9EBA83C57CF}"/>
+              </a:ext>
+            </a:extLst>
+          </p:cNvPr>
+          <p:cNvCxnSpPr>
+            <a:cxnSpLocks/>
+            <a:endCxn id="138" idx="1"/>
+          </p:cNvCxnSpPr>
+          <p:nvPr/>
+        </p:nvCxnSpPr>
+        <p:spPr>
+          <a:xfrm>
+            <a:off x="559902" y="2634541"/>
+            <a:ext cx="4537236" cy="2111824"/>
           </a:xfrm>
           <a:prstGeom prst="bentConnector3">
             <a:avLst>
-              <a:gd name="adj1" fmla="val 103732"/>
+              <a:gd name="adj1" fmla="val 10274"/>
+            </a:avLst>
+          </a:prstGeom>
+          <a:ln>
+            <a:solidFill>
+              <a:srgbClr val="7030A0"/>
+            </a:solidFill>
+          </a:ln>
+        </p:spPr>
+        <p:style>
+          <a:lnRef idx="1">
+            <a:schemeClr val="accent1"/>
+          </a:lnRef>
+          <a:fillRef idx="0">
+            <a:schemeClr val="accent1"/>
+          </a:fillRef>
+          <a:effectRef idx="0">
+            <a:schemeClr val="accent1"/>
+          </a:effectRef>
+          <a:fontRef idx="minor">
+            <a:schemeClr val="tx1"/>
+          </a:fontRef>
+        </p:style>
+      </p:cxnSp>
+      <p:cxnSp>
+        <p:nvCxnSpPr>
+          <p:cNvPr id="146" name="Connector: Elbow 145">
+            <a:extLst>
+              <a:ext uri="{FF2B5EF4-FFF2-40B4-BE49-F238E27FC236}">
+                <a16:creationId xmlns:a16="http://schemas.microsoft.com/office/drawing/2014/main" id="{E53E54A2-1390-49CC-B0AE-F268F645F81C}"/>
+              </a:ext>
+            </a:extLst>
+          </p:cNvPr>
+          <p:cNvCxnSpPr>
+            <a:cxnSpLocks/>
+          </p:cNvCxnSpPr>
+          <p:nvPr/>
+        </p:nvCxnSpPr>
+        <p:spPr>
+          <a:xfrm>
+            <a:off x="618584" y="2634542"/>
+            <a:ext cx="5572440" cy="2461016"/>
+          </a:xfrm>
+          <a:prstGeom prst="bentConnector3">
+            <a:avLst>
+              <a:gd name="adj1" fmla="val -3798"/>
+            </a:avLst>
+          </a:prstGeom>
+          <a:ln>
+            <a:solidFill>
+              <a:srgbClr val="7030A0"/>
+            </a:solidFill>
+          </a:ln>
+        </p:spPr>
+        <p:style>
+          <a:lnRef idx="1">
+            <a:schemeClr val="accent1"/>
+          </a:lnRef>
+          <a:fillRef idx="0">
+            <a:schemeClr val="accent1"/>
+          </a:fillRef>
+          <a:effectRef idx="0">
+            <a:schemeClr val="accent1"/>
+          </a:effectRef>
+          <a:fontRef idx="minor">
+            <a:schemeClr val="tx1"/>
+          </a:fontRef>
+        </p:style>
+      </p:cxnSp>
+      <p:cxnSp>
+        <p:nvCxnSpPr>
+          <p:cNvPr id="158" name="Connector: Elbow 157">
+            <a:extLst>
+              <a:ext uri="{FF2B5EF4-FFF2-40B4-BE49-F238E27FC236}">
+                <a16:creationId xmlns:a16="http://schemas.microsoft.com/office/drawing/2014/main" id="{9C58DC18-B0BC-48E1-9799-E2E4876DDB20}"/>
+              </a:ext>
+            </a:extLst>
+          </p:cNvPr>
+          <p:cNvCxnSpPr>
+            <a:cxnSpLocks/>
+          </p:cNvCxnSpPr>
+          <p:nvPr/>
+        </p:nvCxnSpPr>
+        <p:spPr>
+          <a:xfrm>
+            <a:off x="1423713" y="2961774"/>
+            <a:ext cx="3682409" cy="1910155"/>
+          </a:xfrm>
+          <a:prstGeom prst="bentConnector3">
+            <a:avLst>
+              <a:gd name="adj1" fmla="val -2545"/>
+            </a:avLst>
+          </a:prstGeom>
+          <a:ln>
+            <a:solidFill>
+              <a:srgbClr val="FFC000"/>
+            </a:solidFill>
+          </a:ln>
+        </p:spPr>
+        <p:style>
+          <a:lnRef idx="1">
+            <a:schemeClr val="accent3"/>
+          </a:lnRef>
+          <a:fillRef idx="0">
+            <a:schemeClr val="accent3"/>
+          </a:fillRef>
+          <a:effectRef idx="0">
+            <a:schemeClr val="accent3"/>
+          </a:effectRef>
+          <a:fontRef idx="minor">
+            <a:schemeClr val="tx1"/>
+          </a:fontRef>
+        </p:style>
+      </p:cxnSp>
+      <p:cxnSp>
+        <p:nvCxnSpPr>
+          <p:cNvPr id="167" name="Straight Connector 166">
+            <a:extLst>
+              <a:ext uri="{FF2B5EF4-FFF2-40B4-BE49-F238E27FC236}">
+                <a16:creationId xmlns:a16="http://schemas.microsoft.com/office/drawing/2014/main" id="{78455813-ABC3-4C63-9D0E-DFC05ADA7C03}"/>
+              </a:ext>
+            </a:extLst>
+          </p:cNvPr>
+          <p:cNvCxnSpPr/>
+          <p:nvPr/>
+        </p:nvCxnSpPr>
+        <p:spPr>
+          <a:xfrm>
+            <a:off x="5572283" y="5578663"/>
+            <a:ext cx="0" cy="415916"/>
+          </a:xfrm>
+          <a:prstGeom prst="line">
+            <a:avLst/>
+          </a:prstGeom>
+        </p:spPr>
+        <p:style>
+          <a:lnRef idx="1">
+            <a:schemeClr val="dk1"/>
+          </a:lnRef>
+          <a:fillRef idx="0">
+            <a:schemeClr val="dk1"/>
+          </a:fillRef>
+          <a:effectRef idx="0">
+            <a:schemeClr val="dk1"/>
+          </a:effectRef>
+          <a:fontRef idx="minor">
+            <a:schemeClr val="tx1"/>
+          </a:fontRef>
+        </p:style>
+      </p:cxnSp>
+      <p:cxnSp>
+        <p:nvCxnSpPr>
+          <p:cNvPr id="168" name="Straight Connector 167">
+            <a:extLst>
+              <a:ext uri="{FF2B5EF4-FFF2-40B4-BE49-F238E27FC236}">
+                <a16:creationId xmlns:a16="http://schemas.microsoft.com/office/drawing/2014/main" id="{852C7A0A-7C6E-47BB-9092-2BBDEE59075E}"/>
+              </a:ext>
+            </a:extLst>
+          </p:cNvPr>
+          <p:cNvCxnSpPr/>
+          <p:nvPr/>
+        </p:nvCxnSpPr>
+        <p:spPr>
+          <a:xfrm>
+            <a:off x="6684550" y="5568592"/>
+            <a:ext cx="0" cy="415916"/>
+          </a:xfrm>
+          <a:prstGeom prst="line">
+            <a:avLst/>
+          </a:prstGeom>
+        </p:spPr>
+        <p:style>
+          <a:lnRef idx="1">
+            <a:schemeClr val="dk1"/>
+          </a:lnRef>
+          <a:fillRef idx="0">
+            <a:schemeClr val="dk1"/>
+          </a:fillRef>
+          <a:effectRef idx="0">
+            <a:schemeClr val="dk1"/>
+          </a:effectRef>
+          <a:fontRef idx="minor">
+            <a:schemeClr val="tx1"/>
+          </a:fontRef>
+        </p:style>
+      </p:cxnSp>
+      <p:sp>
+        <p:nvSpPr>
+          <p:cNvPr id="170" name="Rectangle: Rounded Corners 169">
+            <a:extLst>
+              <a:ext uri="{FF2B5EF4-FFF2-40B4-BE49-F238E27FC236}">
+                <a16:creationId xmlns:a16="http://schemas.microsoft.com/office/drawing/2014/main" id="{D2D21D2B-0A03-4128-A77C-0EB1612B165F}"/>
+              </a:ext>
+            </a:extLst>
+          </p:cNvPr>
+          <p:cNvSpPr/>
+          <p:nvPr/>
+        </p:nvSpPr>
+        <p:spPr>
+          <a:xfrm>
+            <a:off x="6199073" y="4786294"/>
+            <a:ext cx="950290" cy="368577"/>
+          </a:xfrm>
+          <a:prstGeom prst="roundRect">
+            <a:avLst/>
+          </a:prstGeom>
+        </p:spPr>
+        <p:style>
+          <a:lnRef idx="2">
+            <a:schemeClr val="accent2">
+              <a:shade val="50000"/>
+            </a:schemeClr>
+          </a:lnRef>
+          <a:fillRef idx="1">
+            <a:schemeClr val="accent2"/>
+          </a:fillRef>
+          <a:effectRef idx="0">
+            <a:schemeClr val="accent2"/>
+          </a:effectRef>
+          <a:fontRef idx="minor">
+            <a:schemeClr val="lt1"/>
+          </a:fontRef>
+        </p:style>
+        <p:txBody>
+          <a:bodyPr rtlCol="0" anchor="ctr"/>
+          <a:lstStyle/>
+          <a:p>
+            <a:pPr algn="ctr"/>
+            <a:r>
+              <a:rPr lang="en-US" sz="1200" dirty="0"/>
+              <a:t>Transistor</a:t>
+            </a:r>
+          </a:p>
+        </p:txBody>
+      </p:sp>
+      <p:cxnSp>
+        <p:nvCxnSpPr>
+          <p:cNvPr id="178" name="Connector: Elbow 177">
+            <a:extLst>
+              <a:ext uri="{FF2B5EF4-FFF2-40B4-BE49-F238E27FC236}">
+                <a16:creationId xmlns:a16="http://schemas.microsoft.com/office/drawing/2014/main" id="{A269B299-EB01-4560-B648-4DBD1E7667B0}"/>
+              </a:ext>
+            </a:extLst>
+          </p:cNvPr>
+          <p:cNvCxnSpPr>
+            <a:cxnSpLocks/>
+          </p:cNvCxnSpPr>
+          <p:nvPr/>
+        </p:nvCxnSpPr>
+        <p:spPr>
+          <a:xfrm flipV="1">
+            <a:off x="5572283" y="2681470"/>
+            <a:ext cx="5514817" cy="3080204"/>
+          </a:xfrm>
+          <a:prstGeom prst="bentConnector3">
+            <a:avLst>
+              <a:gd name="adj1" fmla="val 98218"/>
+            </a:avLst>
+          </a:prstGeom>
+        </p:spPr>
+        <p:style>
+          <a:lnRef idx="1">
+            <a:schemeClr val="accent3"/>
+          </a:lnRef>
+          <a:fillRef idx="0">
+            <a:schemeClr val="accent3"/>
+          </a:fillRef>
+          <a:effectRef idx="0">
+            <a:schemeClr val="accent3"/>
+          </a:effectRef>
+          <a:fontRef idx="minor">
+            <a:schemeClr val="tx1"/>
+          </a:fontRef>
+        </p:style>
+      </p:cxnSp>
+      <p:cxnSp>
+        <p:nvCxnSpPr>
+          <p:cNvPr id="180" name="Connector: Elbow 179">
+            <a:extLst>
+              <a:ext uri="{FF2B5EF4-FFF2-40B4-BE49-F238E27FC236}">
+                <a16:creationId xmlns:a16="http://schemas.microsoft.com/office/drawing/2014/main" id="{99744E6D-C90B-4A9D-8531-0BEA1A811979}"/>
+              </a:ext>
+            </a:extLst>
+          </p:cNvPr>
+          <p:cNvCxnSpPr>
+            <a:cxnSpLocks/>
+          </p:cNvCxnSpPr>
+          <p:nvPr/>
+        </p:nvCxnSpPr>
+        <p:spPr>
+          <a:xfrm flipV="1">
+            <a:off x="6683910" y="2681471"/>
+            <a:ext cx="4159213" cy="3147829"/>
+          </a:xfrm>
+          <a:prstGeom prst="bentConnector3">
+            <a:avLst>
+              <a:gd name="adj1" fmla="val 108260"/>
+            </a:avLst>
+          </a:prstGeom>
+        </p:spPr>
+        <p:style>
+          <a:lnRef idx="1">
+            <a:schemeClr val="accent3"/>
+          </a:lnRef>
+          <a:fillRef idx="0">
+            <a:schemeClr val="accent3"/>
+          </a:fillRef>
+          <a:effectRef idx="0">
+            <a:schemeClr val="accent3"/>
+          </a:effectRef>
+          <a:fontRef idx="minor">
+            <a:schemeClr val="tx1"/>
+          </a:fontRef>
+        </p:style>
+      </p:cxnSp>
+      <p:cxnSp>
+        <p:nvCxnSpPr>
+          <p:cNvPr id="193" name="Connector: Elbow 192">
+            <a:extLst>
+              <a:ext uri="{FF2B5EF4-FFF2-40B4-BE49-F238E27FC236}">
+                <a16:creationId xmlns:a16="http://schemas.microsoft.com/office/drawing/2014/main" id="{084CE469-A9C9-4459-8F63-83170B51AF86}"/>
+              </a:ext>
+            </a:extLst>
+          </p:cNvPr>
+          <p:cNvCxnSpPr>
+            <a:cxnSpLocks/>
+            <a:endCxn id="170" idx="1"/>
+          </p:cNvCxnSpPr>
+          <p:nvPr/>
+        </p:nvCxnSpPr>
+        <p:spPr>
+          <a:xfrm>
+            <a:off x="1612681" y="3263870"/>
+            <a:ext cx="4586392" cy="1706713"/>
+          </a:xfrm>
+          <a:prstGeom prst="bentConnector3">
+            <a:avLst>
+              <a:gd name="adj1" fmla="val -19149"/>
             </a:avLst>
           </a:prstGeom>
           <a:ln>
@@ -17722,34 +17689,101 @@
           </a:fontRef>
         </p:style>
       </p:cxnSp>
+      <p:sp>
+        <p:nvSpPr>
+          <p:cNvPr id="200" name="TextBox 199">
+            <a:extLst>
+              <a:ext uri="{FF2B5EF4-FFF2-40B4-BE49-F238E27FC236}">
+                <a16:creationId xmlns:a16="http://schemas.microsoft.com/office/drawing/2014/main" id="{35BD5F29-1CC2-4443-AD52-DCF60B85A343}"/>
+              </a:ext>
+            </a:extLst>
+          </p:cNvPr>
+          <p:cNvSpPr txBox="1"/>
+          <p:nvPr/>
+        </p:nvSpPr>
+        <p:spPr>
+          <a:xfrm>
+            <a:off x="4840849" y="3605467"/>
+            <a:ext cx="867500" cy="276999"/>
+          </a:xfrm>
+          <a:prstGeom prst="rect">
+            <a:avLst/>
+          </a:prstGeom>
+          <a:noFill/>
+        </p:spPr>
+        <p:txBody>
+          <a:bodyPr wrap="square" rtlCol="0">
+            <a:spAutoFit/>
+          </a:bodyPr>
+          <a:lstStyle/>
+          <a:p>
+            <a:pPr algn="ctr"/>
+            <a:r>
+              <a:rPr lang="en-US" sz="1200" dirty="0"/>
+              <a:t>P1.21</a:t>
+            </a:r>
+          </a:p>
+        </p:txBody>
+      </p:sp>
+      <p:sp>
+        <p:nvSpPr>
+          <p:cNvPr id="201" name="TextBox 200">
+            <a:extLst>
+              <a:ext uri="{FF2B5EF4-FFF2-40B4-BE49-F238E27FC236}">
+                <a16:creationId xmlns:a16="http://schemas.microsoft.com/office/drawing/2014/main" id="{6E4BB722-5B1E-4F7A-A98C-ECE393309DE5}"/>
+              </a:ext>
+            </a:extLst>
+          </p:cNvPr>
+          <p:cNvSpPr txBox="1"/>
+          <p:nvPr/>
+        </p:nvSpPr>
+        <p:spPr>
+          <a:xfrm>
+            <a:off x="5359200" y="3588051"/>
+            <a:ext cx="867500" cy="276999"/>
+          </a:xfrm>
+          <a:prstGeom prst="rect">
+            <a:avLst/>
+          </a:prstGeom>
+          <a:noFill/>
+        </p:spPr>
+        <p:txBody>
+          <a:bodyPr wrap="square" rtlCol="0">
+            <a:spAutoFit/>
+          </a:bodyPr>
+          <a:lstStyle/>
+          <a:p>
+            <a:pPr algn="ctr"/>
+            <a:r>
+              <a:rPr lang="en-US" sz="1200" dirty="0"/>
+              <a:t>P1.23</a:t>
+            </a:r>
+          </a:p>
+        </p:txBody>
+      </p:sp>
       <p:cxnSp>
         <p:nvCxnSpPr>
-          <p:cNvPr id="177" name="Connector: Elbow 176">
+          <p:cNvPr id="202" name="Straight Connector 201">
             <a:extLst>
               <a:ext uri="{FF2B5EF4-FFF2-40B4-BE49-F238E27FC236}">
-                <a16:creationId xmlns:a16="http://schemas.microsoft.com/office/drawing/2014/main" id="{B32A58D9-1C42-4728-993E-BC139A22AF8D}"/>
+                <a16:creationId xmlns:a16="http://schemas.microsoft.com/office/drawing/2014/main" id="{78177E11-D5F1-4308-AF58-07A44419D860}"/>
               </a:ext>
             </a:extLst>
           </p:cNvPr>
           <p:cNvCxnSpPr>
             <a:cxnSpLocks/>
-            <a:stCxn id="87" idx="1"/>
+            <a:stCxn id="200" idx="2"/>
           </p:cNvCxnSpPr>
           <p:nvPr/>
         </p:nvCxnSpPr>
         <p:spPr>
-          <a:xfrm rot="10800000">
-            <a:off x="1830130" y="2936209"/>
-            <a:ext cx="1135547" cy="1353110"/>
+          <a:xfrm flipH="1">
+            <a:off x="5268960" y="3882466"/>
+            <a:ext cx="5639" cy="676801"/>
           </a:xfrm>
-          <a:prstGeom prst="bentConnector2">
+          <a:prstGeom prst="line">
             <a:avLst/>
           </a:prstGeom>
-          <a:ln>
-            <a:solidFill>
-              <a:srgbClr val="FF0000"/>
-            </a:solidFill>
-          </a:ln>
         </p:spPr>
         <p:style>
           <a:lnRef idx="1">
@@ -17766,6 +17800,275 @@
           </a:fontRef>
         </p:style>
       </p:cxnSp>
+      <p:cxnSp>
+        <p:nvCxnSpPr>
+          <p:cNvPr id="209" name="Straight Connector 208">
+            <a:extLst>
+              <a:ext uri="{FF2B5EF4-FFF2-40B4-BE49-F238E27FC236}">
+                <a16:creationId xmlns:a16="http://schemas.microsoft.com/office/drawing/2014/main" id="{E176E2CC-0EBC-431B-8570-524693D85859}"/>
+              </a:ext>
+            </a:extLst>
+          </p:cNvPr>
+          <p:cNvCxnSpPr>
+            <a:cxnSpLocks/>
+          </p:cNvCxnSpPr>
+          <p:nvPr/>
+        </p:nvCxnSpPr>
+        <p:spPr>
+          <a:xfrm flipH="1">
+            <a:off x="5781694" y="3880693"/>
+            <a:ext cx="5639" cy="676801"/>
+          </a:xfrm>
+          <a:prstGeom prst="line">
+            <a:avLst/>
+          </a:prstGeom>
+        </p:spPr>
+        <p:style>
+          <a:lnRef idx="1">
+            <a:schemeClr val="accent1"/>
+          </a:lnRef>
+          <a:fillRef idx="0">
+            <a:schemeClr val="accent1"/>
+          </a:fillRef>
+          <a:effectRef idx="0">
+            <a:schemeClr val="accent1"/>
+          </a:effectRef>
+          <a:fontRef idx="minor">
+            <a:schemeClr val="tx1"/>
+          </a:fontRef>
+        </p:style>
+      </p:cxnSp>
+      <p:cxnSp>
+        <p:nvCxnSpPr>
+          <p:cNvPr id="211" name="Straight Connector 210">
+            <a:extLst>
+              <a:ext uri="{FF2B5EF4-FFF2-40B4-BE49-F238E27FC236}">
+                <a16:creationId xmlns:a16="http://schemas.microsoft.com/office/drawing/2014/main" id="{25D4645D-52FC-4642-897A-FD7E1F362265}"/>
+              </a:ext>
+            </a:extLst>
+          </p:cNvPr>
+          <p:cNvCxnSpPr>
+            <a:cxnSpLocks/>
+            <a:stCxn id="138" idx="2"/>
+          </p:cNvCxnSpPr>
+          <p:nvPr/>
+        </p:nvCxnSpPr>
+        <p:spPr>
+          <a:xfrm>
+            <a:off x="5572283" y="4930653"/>
+            <a:ext cx="0" cy="279433"/>
+          </a:xfrm>
+          <a:prstGeom prst="line">
+            <a:avLst/>
+          </a:prstGeom>
+        </p:spPr>
+        <p:style>
+          <a:lnRef idx="1">
+            <a:schemeClr val="accent1"/>
+          </a:lnRef>
+          <a:fillRef idx="0">
+            <a:schemeClr val="accent1"/>
+          </a:fillRef>
+          <a:effectRef idx="0">
+            <a:schemeClr val="accent1"/>
+          </a:effectRef>
+          <a:fontRef idx="minor">
+            <a:schemeClr val="tx1"/>
+          </a:fontRef>
+        </p:style>
+      </p:cxnSp>
+      <p:sp>
+        <p:nvSpPr>
+          <p:cNvPr id="214" name="TextBox 213">
+            <a:extLst>
+              <a:ext uri="{FF2B5EF4-FFF2-40B4-BE49-F238E27FC236}">
+                <a16:creationId xmlns:a16="http://schemas.microsoft.com/office/drawing/2014/main" id="{2E006A1D-B56F-4CCF-8B87-CC0DD87A318B}"/>
+              </a:ext>
+            </a:extLst>
+          </p:cNvPr>
+          <p:cNvSpPr txBox="1"/>
+          <p:nvPr/>
+        </p:nvSpPr>
+        <p:spPr>
+          <a:xfrm>
+            <a:off x="2378530" y="2745650"/>
+            <a:ext cx="1095036" cy="369332"/>
+          </a:xfrm>
+          <a:prstGeom prst="rect">
+            <a:avLst/>
+          </a:prstGeom>
+          <a:noFill/>
+        </p:spPr>
+        <p:txBody>
+          <a:bodyPr wrap="square" rtlCol="0">
+            <a:spAutoFit/>
+          </a:bodyPr>
+          <a:lstStyle/>
+          <a:p>
+            <a:pPr algn="ctr"/>
+            <a:r>
+              <a:rPr lang="en-US" dirty="0"/>
+              <a:t>5 V</a:t>
+            </a:r>
+          </a:p>
+        </p:txBody>
+      </p:sp>
+      <p:cxnSp>
+        <p:nvCxnSpPr>
+          <p:cNvPr id="216" name="Straight Connector 215">
+            <a:extLst>
+              <a:ext uri="{FF2B5EF4-FFF2-40B4-BE49-F238E27FC236}">
+                <a16:creationId xmlns:a16="http://schemas.microsoft.com/office/drawing/2014/main" id="{C99734F8-D879-4D48-8AA2-9993149DC243}"/>
+              </a:ext>
+            </a:extLst>
+          </p:cNvPr>
+          <p:cNvCxnSpPr>
+            <a:cxnSpLocks/>
+          </p:cNvCxnSpPr>
+          <p:nvPr/>
+        </p:nvCxnSpPr>
+        <p:spPr>
+          <a:xfrm flipH="1">
+            <a:off x="1333500" y="2961774"/>
+            <a:ext cx="1359787" cy="0"/>
+          </a:xfrm>
+          <a:prstGeom prst="line">
+            <a:avLst/>
+          </a:prstGeom>
+          <a:ln>
+            <a:solidFill>
+              <a:srgbClr val="FFC000"/>
+            </a:solidFill>
+          </a:ln>
+        </p:spPr>
+        <p:style>
+          <a:lnRef idx="1">
+            <a:schemeClr val="accent3"/>
+          </a:lnRef>
+          <a:fillRef idx="0">
+            <a:schemeClr val="accent3"/>
+          </a:fillRef>
+          <a:effectRef idx="0">
+            <a:schemeClr val="accent3"/>
+          </a:effectRef>
+          <a:fontRef idx="minor">
+            <a:schemeClr val="tx1"/>
+          </a:fontRef>
+        </p:style>
+      </p:cxnSp>
+      <p:cxnSp>
+        <p:nvCxnSpPr>
+          <p:cNvPr id="229" name="Straight Connector 228">
+            <a:extLst>
+              <a:ext uri="{FF2B5EF4-FFF2-40B4-BE49-F238E27FC236}">
+                <a16:creationId xmlns:a16="http://schemas.microsoft.com/office/drawing/2014/main" id="{A65FCF63-3B89-4386-AC54-E315FFAC19B3}"/>
+              </a:ext>
+            </a:extLst>
+          </p:cNvPr>
+          <p:cNvCxnSpPr>
+            <a:cxnSpLocks/>
+          </p:cNvCxnSpPr>
+          <p:nvPr/>
+        </p:nvCxnSpPr>
+        <p:spPr>
+          <a:xfrm flipH="1">
+            <a:off x="9581493" y="2681883"/>
+            <a:ext cx="1359787" cy="0"/>
+          </a:xfrm>
+          <a:prstGeom prst="line">
+            <a:avLst/>
+          </a:prstGeom>
+          <a:ln/>
+        </p:spPr>
+        <p:style>
+          <a:lnRef idx="1">
+            <a:schemeClr val="accent3"/>
+          </a:lnRef>
+          <a:fillRef idx="0">
+            <a:schemeClr val="accent3"/>
+          </a:fillRef>
+          <a:effectRef idx="0">
+            <a:schemeClr val="accent3"/>
+          </a:effectRef>
+          <a:fontRef idx="minor">
+            <a:schemeClr val="tx1"/>
+          </a:fontRef>
+        </p:style>
+      </p:cxnSp>
+      <p:cxnSp>
+        <p:nvCxnSpPr>
+          <p:cNvPr id="240" name="Straight Connector 239">
+            <a:extLst>
+              <a:ext uri="{FF2B5EF4-FFF2-40B4-BE49-F238E27FC236}">
+                <a16:creationId xmlns:a16="http://schemas.microsoft.com/office/drawing/2014/main" id="{BDB05895-2740-4A6B-A365-27360C8E6A35}"/>
+              </a:ext>
+            </a:extLst>
+          </p:cNvPr>
+          <p:cNvCxnSpPr>
+            <a:cxnSpLocks/>
+          </p:cNvCxnSpPr>
+          <p:nvPr/>
+        </p:nvCxnSpPr>
+        <p:spPr>
+          <a:xfrm flipH="1">
+            <a:off x="6695137" y="3880693"/>
+            <a:ext cx="6445" cy="913334"/>
+          </a:xfrm>
+          <a:prstGeom prst="line">
+            <a:avLst/>
+          </a:prstGeom>
+        </p:spPr>
+        <p:style>
+          <a:lnRef idx="1">
+            <a:schemeClr val="accent1"/>
+          </a:lnRef>
+          <a:fillRef idx="0">
+            <a:schemeClr val="accent1"/>
+          </a:fillRef>
+          <a:effectRef idx="0">
+            <a:schemeClr val="accent1"/>
+          </a:effectRef>
+          <a:fontRef idx="minor">
+            <a:schemeClr val="tx1"/>
+          </a:fontRef>
+        </p:style>
+      </p:cxnSp>
+      <p:sp>
+        <p:nvSpPr>
+          <p:cNvPr id="244" name="TextBox 243">
+            <a:extLst>
+              <a:ext uri="{FF2B5EF4-FFF2-40B4-BE49-F238E27FC236}">
+                <a16:creationId xmlns:a16="http://schemas.microsoft.com/office/drawing/2014/main" id="{651A01A8-D28C-4E53-94EC-7AB7016BFAE1}"/>
+              </a:ext>
+            </a:extLst>
+          </p:cNvPr>
+          <p:cNvSpPr txBox="1"/>
+          <p:nvPr/>
+        </p:nvSpPr>
+        <p:spPr>
+          <a:xfrm>
+            <a:off x="6253573" y="3582724"/>
+            <a:ext cx="867500" cy="276999"/>
+          </a:xfrm>
+          <a:prstGeom prst="rect">
+            <a:avLst/>
+          </a:prstGeom>
+          <a:noFill/>
+        </p:spPr>
+        <p:txBody>
+          <a:bodyPr wrap="square" rtlCol="0">
+            <a:spAutoFit/>
+          </a:bodyPr>
+          <a:lstStyle/>
+          <a:p>
+            <a:pPr algn="ctr"/>
+            <a:r>
+              <a:rPr lang="en-US" sz="1200" dirty="0"/>
+              <a:t>P1.19</a:t>
+            </a:r>
+          </a:p>
+        </p:txBody>
+      </p:sp>
     </p:spTree>
     <p:extLst>
       <p:ext uri="{BB962C8B-B14F-4D97-AF65-F5344CB8AC3E}">
@@ -17878,7 +18181,11 @@
           <a:lstStyle/>
           <a:p>
             <a:pPr algn="ctr"/>
-            <a:endParaRPr lang="en-US"/>
+            <a:r>
+              <a:rPr lang="en-US" dirty="0" err="1"/>
+              <a:t>PocketBeagle</a:t>
+            </a:r>
+            <a:endParaRPr lang="en-US" dirty="0"/>
           </a:p>
         </p:txBody>
       </p:sp>
@@ -17900,7 +18207,7 @@
         </p:nvSpPr>
         <p:spPr>
           <a:xfrm>
-            <a:off x="8534400" y="2286000"/>
+            <a:off x="8534400" y="1846495"/>
             <a:ext cx="1866900" cy="1028700"/>
           </a:xfrm>
           <a:prstGeom prst="roundRect">
@@ -17924,7 +18231,9 @@
           </a:fontRef>
         </p:style>
         <p:txBody>
-          <a:bodyPr rtlCol="0" anchor="ctr"/>
+          <a:bodyPr rtlCol="0" anchor="ctr">
+            <a:normAutofit fontScale="92500"/>
+          </a:bodyPr>
           <a:lstStyle/>
           <a:p>
             <a:pPr marL="0" indent="0">
@@ -17932,7 +18241,7 @@
             </a:pPr>
             <a:r>
               <a:rPr lang="en-US" dirty="0"/>
-              <a:t>LCD Display</a:t>
+              <a:t>LCD Display, Limit Switch, Arcade Button</a:t>
             </a:r>
           </a:p>
         </p:txBody>
@@ -17953,7 +18262,7 @@
         </p:nvSpPr>
         <p:spPr>
           <a:xfrm>
-            <a:off x="8534400" y="3886200"/>
+            <a:off x="8534400" y="4182371"/>
             <a:ext cx="1866900" cy="1028700"/>
           </a:xfrm>
           <a:prstGeom prst="roundRect">
@@ -17978,7 +18287,7 @@
         </p:style>
         <p:txBody>
           <a:bodyPr vert="horz" lIns="91440" tIns="45720" rIns="91440" bIns="45720" rtlCol="0" anchor="ctr">
-            <a:normAutofit fontScale="85000" lnSpcReduction="10000"/>
+            <a:normAutofit/>
           </a:bodyPr>
           <a:lstStyle>
             <a:lvl1pPr marL="228600" indent="-228600" algn="l" defTabSz="914400" rtl="0" eaLnBrk="1" latinLnBrk="0" hangingPunct="1">
@@ -18199,12 +18508,12 @@
             </a:lvl9pPr>
           </a:lstStyle>
           <a:p>
-            <a:pPr marL="0" indent="0">
+            <a:pPr marL="0" indent="0" algn="ctr">
               <a:buNone/>
             </a:pPr>
             <a:r>
               <a:rPr lang="en-US" dirty="0"/>
-              <a:t>Button, Toggle, Potentiometer, Piezo, Joystick</a:t>
+              <a:t>Joystick</a:t>
             </a:r>
           </a:p>
         </p:txBody>
@@ -18481,55 +18790,6 @@
           </a:p>
         </p:txBody>
       </p:sp>
-      <p:sp>
-        <p:nvSpPr>
-          <p:cNvPr id="12" name="TextBox 11">
-            <a:extLst>
-              <a:ext uri="{FF2B5EF4-FFF2-40B4-BE49-F238E27FC236}">
-                <a16:creationId xmlns:a16="http://schemas.microsoft.com/office/drawing/2014/main" id="{F2C005EC-13B9-45AA-B5F9-95E7A3B1DA29}"/>
-              </a:ext>
-            </a:extLst>
-          </p:cNvPr>
-          <p:cNvSpPr txBox="1"/>
-          <p:nvPr/>
-        </p:nvSpPr>
-        <p:spPr>
-          <a:xfrm>
-            <a:off x="5486400" y="3143248"/>
-            <a:ext cx="1257300" cy="646331"/>
-          </a:xfrm>
-          <a:prstGeom prst="rect">
-            <a:avLst/>
-          </a:prstGeom>
-          <a:noFill/>
-        </p:spPr>
-        <p:txBody>
-          <a:bodyPr wrap="square" rtlCol="0">
-            <a:spAutoFit/>
-          </a:bodyPr>
-          <a:lstStyle/>
-          <a:p>
-            <a:r>
-              <a:rPr lang="en-US" dirty="0">
-                <a:solidFill>
-                  <a:schemeClr val="bg1"/>
-                </a:solidFill>
-              </a:rPr>
-              <a:t>Pocket</a:t>
-            </a:r>
-          </a:p>
-          <a:p>
-            <a:r>
-              <a:rPr lang="en-US" dirty="0">
-                <a:solidFill>
-                  <a:schemeClr val="bg1"/>
-                </a:solidFill>
-              </a:rPr>
-              <a:t>Beagle</a:t>
-            </a:r>
-          </a:p>
-        </p:txBody>
-      </p:sp>
       <p:cxnSp>
         <p:nvCxnSpPr>
           <p:cNvPr id="14" name="Straight Connector 13">
@@ -18579,13 +18839,14 @@
             </a:extLst>
           </p:cNvPr>
           <p:cNvCxnSpPr>
+            <a:cxnSpLocks/>
             <a:endCxn id="7" idx="1"/>
           </p:cNvCxnSpPr>
           <p:nvPr/>
         </p:nvCxnSpPr>
         <p:spPr>
           <a:xfrm>
-            <a:off x="6877050" y="2800350"/>
+            <a:off x="6877050" y="2360845"/>
             <a:ext cx="1657350" cy="0"/>
           </a:xfrm>
           <a:prstGeom prst="line">
@@ -18617,13 +18878,14 @@
             </a:extLst>
           </p:cNvPr>
           <p:cNvCxnSpPr>
+            <a:cxnSpLocks/>
             <a:stCxn id="9" idx="1"/>
           </p:cNvCxnSpPr>
           <p:nvPr/>
         </p:nvCxnSpPr>
         <p:spPr>
           <a:xfrm flipH="1">
-            <a:off x="6877050" y="4400550"/>
+            <a:off x="6877050" y="4696721"/>
             <a:ext cx="1657350" cy="0"/>
           </a:xfrm>
           <a:prstGeom prst="line">
@@ -18659,7 +18921,7 @@
         </p:nvSpPr>
         <p:spPr>
           <a:xfrm>
-            <a:off x="7150554" y="3952881"/>
+            <a:off x="7048500" y="4345443"/>
             <a:ext cx="1143000" cy="380989"/>
           </a:xfrm>
           <a:prstGeom prst="rect">
@@ -18694,7 +18956,7 @@
         </p:nvSpPr>
         <p:spPr>
           <a:xfrm>
-            <a:off x="3924300" y="2895600"/>
+            <a:off x="4076700" y="3344117"/>
             <a:ext cx="1143000" cy="369332"/>
           </a:xfrm>
           <a:prstGeom prst="rect">
@@ -18729,7 +18991,7 @@
         </p:nvSpPr>
         <p:spPr>
           <a:xfrm>
-            <a:off x="7108371" y="2360845"/>
+            <a:off x="6972300" y="2019310"/>
             <a:ext cx="1143000" cy="380989"/>
           </a:xfrm>
           <a:prstGeom prst="rect">
@@ -18750,6 +19012,352 @@
           </a:p>
         </p:txBody>
       </p:sp>
+      <p:sp>
+        <p:nvSpPr>
+          <p:cNvPr id="17" name="Content Placeholder 6">
+            <a:extLst>
+              <a:ext uri="{FF2B5EF4-FFF2-40B4-BE49-F238E27FC236}">
+                <a16:creationId xmlns:a16="http://schemas.microsoft.com/office/drawing/2014/main" id="{A2B924DD-9D03-41B8-A3EA-61F964B41C0E}"/>
+              </a:ext>
+            </a:extLst>
+          </p:cNvPr>
+          <p:cNvSpPr txBox="1">
+            <a:spLocks/>
+          </p:cNvSpPr>
+          <p:nvPr/>
+        </p:nvSpPr>
+        <p:spPr>
+          <a:xfrm>
+            <a:off x="8534400" y="3014433"/>
+            <a:ext cx="1866900" cy="1028700"/>
+          </a:xfrm>
+          <a:prstGeom prst="roundRect">
+            <a:avLst/>
+          </a:prstGeom>
+        </p:spPr>
+        <p:style>
+          <a:lnRef idx="2">
+            <a:schemeClr val="accent2">
+              <a:shade val="50000"/>
+            </a:schemeClr>
+          </a:lnRef>
+          <a:fillRef idx="1">
+            <a:schemeClr val="accent2"/>
+          </a:fillRef>
+          <a:effectRef idx="0">
+            <a:schemeClr val="accent2"/>
+          </a:effectRef>
+          <a:fontRef idx="minor">
+            <a:schemeClr val="lt1"/>
+          </a:fontRef>
+        </p:style>
+        <p:txBody>
+          <a:bodyPr vert="horz" lIns="91440" tIns="45720" rIns="91440" bIns="45720" rtlCol="0" anchor="ctr">
+            <a:normAutofit/>
+          </a:bodyPr>
+          <a:lstStyle>
+            <a:lvl1pPr marL="228600" indent="-228600" algn="l" defTabSz="914400" rtl="0" eaLnBrk="1" latinLnBrk="0" hangingPunct="1">
+              <a:lnSpc>
+                <a:spcPct val="90000"/>
+              </a:lnSpc>
+              <a:spcBef>
+                <a:spcPts val="1800"/>
+              </a:spcBef>
+              <a:buClr>
+                <a:schemeClr val="accent1">
+                  <a:lumMod val="75000"/>
+                </a:schemeClr>
+              </a:buClr>
+              <a:buSzPct val="100000"/>
+              <a:buFont typeface="Arial" pitchFamily="34" charset="0"/>
+              <a:buChar char="▪"/>
+              <a:defRPr sz="2000" kern="1200">
+                <a:solidFill>
+                  <a:schemeClr val="lt1"/>
+                </a:solidFill>
+                <a:latin typeface="+mn-lt"/>
+                <a:ea typeface="+mn-ea"/>
+                <a:cs typeface="+mn-cs"/>
+              </a:defRPr>
+            </a:lvl1pPr>
+            <a:lvl2pPr marL="457200" indent="-182880" algn="l" defTabSz="914400" rtl="0" eaLnBrk="1" latinLnBrk="0" hangingPunct="1">
+              <a:lnSpc>
+                <a:spcPct val="90000"/>
+              </a:lnSpc>
+              <a:spcBef>
+                <a:spcPts val="1200"/>
+              </a:spcBef>
+              <a:buClr>
+                <a:schemeClr val="accent1">
+                  <a:lumMod val="75000"/>
+                </a:schemeClr>
+              </a:buClr>
+              <a:buSzPct val="100000"/>
+              <a:buFont typeface="Arial" pitchFamily="34" charset="0"/>
+              <a:buChar char="▪"/>
+              <a:defRPr sz="1800" kern="1200">
+                <a:solidFill>
+                  <a:schemeClr val="lt1"/>
+                </a:solidFill>
+                <a:latin typeface="+mn-lt"/>
+                <a:ea typeface="+mn-ea"/>
+                <a:cs typeface="+mn-cs"/>
+              </a:defRPr>
+            </a:lvl2pPr>
+            <a:lvl3pPr marL="685800" indent="-179388" algn="l" defTabSz="914400" rtl="0" eaLnBrk="1" latinLnBrk="0" hangingPunct="1">
+              <a:lnSpc>
+                <a:spcPct val="90000"/>
+              </a:lnSpc>
+              <a:spcBef>
+                <a:spcPts val="800"/>
+              </a:spcBef>
+              <a:buClr>
+                <a:schemeClr val="accent1">
+                  <a:lumMod val="75000"/>
+                </a:schemeClr>
+              </a:buClr>
+              <a:buSzPct val="100000"/>
+              <a:buFont typeface="Arial" pitchFamily="34" charset="0"/>
+              <a:buChar char="▪"/>
+              <a:defRPr sz="1600" kern="1200">
+                <a:solidFill>
+                  <a:schemeClr val="lt1"/>
+                </a:solidFill>
+                <a:latin typeface="+mn-lt"/>
+                <a:ea typeface="+mn-ea"/>
+                <a:cs typeface="+mn-cs"/>
+              </a:defRPr>
+            </a:lvl3pPr>
+            <a:lvl4pPr marL="914400" indent="-182880" algn="l" defTabSz="914400" rtl="0" eaLnBrk="1" latinLnBrk="0" hangingPunct="1">
+              <a:lnSpc>
+                <a:spcPct val="90000"/>
+              </a:lnSpc>
+              <a:spcBef>
+                <a:spcPts val="800"/>
+              </a:spcBef>
+              <a:buClr>
+                <a:schemeClr val="accent1">
+                  <a:lumMod val="75000"/>
+                </a:schemeClr>
+              </a:buClr>
+              <a:buSzPct val="100000"/>
+              <a:buFont typeface="Arial" pitchFamily="34" charset="0"/>
+              <a:buChar char="▪"/>
+              <a:defRPr sz="1400" kern="1200">
+                <a:solidFill>
+                  <a:schemeClr val="lt1"/>
+                </a:solidFill>
+                <a:latin typeface="+mn-lt"/>
+                <a:ea typeface="+mn-ea"/>
+                <a:cs typeface="+mn-cs"/>
+              </a:defRPr>
+            </a:lvl4pPr>
+            <a:lvl5pPr marL="1143000" indent="-179388" algn="l" defTabSz="914400" rtl="0" eaLnBrk="1" latinLnBrk="0" hangingPunct="1">
+              <a:lnSpc>
+                <a:spcPct val="90000"/>
+              </a:lnSpc>
+              <a:spcBef>
+                <a:spcPts val="600"/>
+              </a:spcBef>
+              <a:buClr>
+                <a:schemeClr val="accent1">
+                  <a:lumMod val="75000"/>
+                </a:schemeClr>
+              </a:buClr>
+              <a:buSzPct val="100000"/>
+              <a:buFont typeface="Arial" pitchFamily="34" charset="0"/>
+              <a:buChar char="▪"/>
+              <a:defRPr sz="1400" kern="1200">
+                <a:solidFill>
+                  <a:schemeClr val="lt1"/>
+                </a:solidFill>
+                <a:latin typeface="+mn-lt"/>
+                <a:ea typeface="+mn-ea"/>
+                <a:cs typeface="+mn-cs"/>
+              </a:defRPr>
+            </a:lvl5pPr>
+            <a:lvl6pPr marL="1371600" indent="-182880" algn="l" defTabSz="914400" rtl="0" eaLnBrk="1" latinLnBrk="0" hangingPunct="1">
+              <a:lnSpc>
+                <a:spcPct val="90000"/>
+              </a:lnSpc>
+              <a:spcBef>
+                <a:spcPts val="600"/>
+              </a:spcBef>
+              <a:buClr>
+                <a:schemeClr val="accent1">
+                  <a:lumMod val="75000"/>
+                </a:schemeClr>
+              </a:buClr>
+              <a:buSzPct val="100000"/>
+              <a:buFont typeface="Arial" pitchFamily="34" charset="0"/>
+              <a:buChar char="▪"/>
+              <a:defRPr sz="1400" kern="1200">
+                <a:solidFill>
+                  <a:schemeClr val="lt1"/>
+                </a:solidFill>
+                <a:latin typeface="+mn-lt"/>
+                <a:ea typeface="+mn-ea"/>
+                <a:cs typeface="+mn-cs"/>
+              </a:defRPr>
+            </a:lvl6pPr>
+            <a:lvl7pPr marL="1600200" indent="-179388" algn="l" defTabSz="914400" rtl="0" eaLnBrk="1" latinLnBrk="0" hangingPunct="1">
+              <a:lnSpc>
+                <a:spcPct val="90000"/>
+              </a:lnSpc>
+              <a:spcBef>
+                <a:spcPts val="600"/>
+              </a:spcBef>
+              <a:buClr>
+                <a:schemeClr val="accent1">
+                  <a:lumMod val="75000"/>
+                </a:schemeClr>
+              </a:buClr>
+              <a:buSzPct val="100000"/>
+              <a:buFont typeface="Arial" pitchFamily="34" charset="0"/>
+              <a:buChar char="▪"/>
+              <a:defRPr sz="1400" kern="1200">
+                <a:solidFill>
+                  <a:schemeClr val="lt1"/>
+                </a:solidFill>
+                <a:latin typeface="+mn-lt"/>
+                <a:ea typeface="+mn-ea"/>
+                <a:cs typeface="+mn-cs"/>
+              </a:defRPr>
+            </a:lvl7pPr>
+            <a:lvl8pPr marL="1828800" indent="-182880" algn="l" defTabSz="914400" rtl="0" eaLnBrk="1" latinLnBrk="0" hangingPunct="1">
+              <a:lnSpc>
+                <a:spcPct val="90000"/>
+              </a:lnSpc>
+              <a:spcBef>
+                <a:spcPts val="600"/>
+              </a:spcBef>
+              <a:buClr>
+                <a:schemeClr val="accent1">
+                  <a:lumMod val="75000"/>
+                </a:schemeClr>
+              </a:buClr>
+              <a:buSzPct val="100000"/>
+              <a:buFont typeface="Arial" pitchFamily="34" charset="0"/>
+              <a:buChar char="▪"/>
+              <a:defRPr sz="1400" kern="1200">
+                <a:solidFill>
+                  <a:schemeClr val="lt1"/>
+                </a:solidFill>
+                <a:latin typeface="+mn-lt"/>
+                <a:ea typeface="+mn-ea"/>
+                <a:cs typeface="+mn-cs"/>
+              </a:defRPr>
+            </a:lvl8pPr>
+            <a:lvl9pPr marL="1878012" indent="0" algn="l" defTabSz="914400" rtl="0" eaLnBrk="1" latinLnBrk="0" hangingPunct="1">
+              <a:lnSpc>
+                <a:spcPct val="90000"/>
+              </a:lnSpc>
+              <a:spcBef>
+                <a:spcPts val="600"/>
+              </a:spcBef>
+              <a:buClr>
+                <a:schemeClr val="accent1">
+                  <a:lumMod val="75000"/>
+                </a:schemeClr>
+              </a:buClr>
+              <a:buSzPct val="100000"/>
+              <a:buFont typeface="Arial" pitchFamily="34" charset="0"/>
+              <a:buNone/>
+              <a:defRPr sz="1400" kern="1200">
+                <a:solidFill>
+                  <a:schemeClr val="lt1"/>
+                </a:solidFill>
+                <a:latin typeface="+mn-lt"/>
+                <a:ea typeface="+mn-ea"/>
+                <a:cs typeface="+mn-cs"/>
+              </a:defRPr>
+            </a:lvl9pPr>
+          </a:lstStyle>
+          <a:p>
+            <a:pPr marL="0" indent="0">
+              <a:buFont typeface="Arial" pitchFamily="34" charset="0"/>
+              <a:buNone/>
+            </a:pPr>
+            <a:r>
+              <a:rPr lang="en-US" sz="1800" dirty="0"/>
+              <a:t>Potentiometer, Joystick</a:t>
+            </a:r>
+          </a:p>
+        </p:txBody>
+      </p:sp>
+      <p:sp>
+        <p:nvSpPr>
+          <p:cNvPr id="22" name="TextBox 21">
+            <a:extLst>
+              <a:ext uri="{FF2B5EF4-FFF2-40B4-BE49-F238E27FC236}">
+                <a16:creationId xmlns:a16="http://schemas.microsoft.com/office/drawing/2014/main" id="{5E73709A-9B2C-4344-A41E-A2F0F5DEE3A3}"/>
+              </a:ext>
+            </a:extLst>
+          </p:cNvPr>
+          <p:cNvSpPr txBox="1"/>
+          <p:nvPr/>
+        </p:nvSpPr>
+        <p:spPr>
+          <a:xfrm>
+            <a:off x="6972300" y="3187248"/>
+            <a:ext cx="1143000" cy="380989"/>
+          </a:xfrm>
+          <a:prstGeom prst="rect">
+            <a:avLst/>
+          </a:prstGeom>
+          <a:noFill/>
+        </p:spPr>
+        <p:txBody>
+          <a:bodyPr wrap="square" rtlCol="0">
+            <a:spAutoFit/>
+          </a:bodyPr>
+          <a:lstStyle/>
+          <a:p>
+            <a:r>
+              <a:rPr lang="en-US" dirty="0"/>
+              <a:t>1.8 V</a:t>
+            </a:r>
+          </a:p>
+        </p:txBody>
+      </p:sp>
+      <p:cxnSp>
+        <p:nvCxnSpPr>
+          <p:cNvPr id="23" name="Straight Connector 22">
+            <a:extLst>
+              <a:ext uri="{FF2B5EF4-FFF2-40B4-BE49-F238E27FC236}">
+                <a16:creationId xmlns:a16="http://schemas.microsoft.com/office/drawing/2014/main" id="{69DA07C7-EA93-4127-A65D-466EAA8F99F5}"/>
+              </a:ext>
+            </a:extLst>
+          </p:cNvPr>
+          <p:cNvCxnSpPr>
+            <a:cxnSpLocks/>
+          </p:cNvCxnSpPr>
+          <p:nvPr/>
+        </p:nvCxnSpPr>
+        <p:spPr>
+          <a:xfrm flipH="1">
+            <a:off x="6877050" y="3574825"/>
+            <a:ext cx="1657350" cy="0"/>
+          </a:xfrm>
+          <a:prstGeom prst="line">
+            <a:avLst/>
+          </a:prstGeom>
+        </p:spPr>
+        <p:style>
+          <a:lnRef idx="1">
+            <a:schemeClr val="accent1"/>
+          </a:lnRef>
+          <a:fillRef idx="0">
+            <a:schemeClr val="accent1"/>
+          </a:fillRef>
+          <a:effectRef idx="0">
+            <a:schemeClr val="accent1"/>
+          </a:effectRef>
+          <a:fontRef idx="minor">
+            <a:schemeClr val="tx1"/>
+          </a:fontRef>
+        </p:style>
+      </p:cxnSp>
     </p:spTree>
     <p:extLst>
       <p:ext uri="{BB962C8B-B14F-4D97-AF65-F5344CB8AC3E}">
@@ -18836,14 +19444,14 @@
             <p:ph idx="1"/>
             <p:extLst>
               <p:ext uri="{D42A27DB-BD31-4B8C-83A1-F6EECF244321}">
-                <p14:modId xmlns:p14="http://schemas.microsoft.com/office/powerpoint/2010/main" val="3422156612"/>
+                <p14:modId xmlns:p14="http://schemas.microsoft.com/office/powerpoint/2010/main" val="3704680259"/>
               </p:ext>
             </p:extLst>
           </p:nvPr>
         </p:nvGraphicFramePr>
         <p:xfrm>
           <a:off x="609600" y="1295400"/>
-          <a:ext cx="10972800" cy="4389120"/>
+          <a:ext cx="10972800" cy="4023360"/>
         </p:xfrm>
         <a:graphic>
           <a:graphicData uri="http://schemas.openxmlformats.org/drawingml/2006/table">
@@ -19073,54 +19681,6 @@
                     <a:p>
                       <a:r>
                         <a:rPr lang="en-US" dirty="0"/>
-                        <a:t>Transistors</a:t>
-                      </a:r>
-                    </a:p>
-                  </a:txBody>
-                  <a:tcPr/>
-                </a:tc>
-                <a:tc>
-                  <a:txBody>
-                    <a:bodyPr/>
-                    <a:lstStyle/>
-                    <a:p>
-                      <a:pPr algn="ctr"/>
-                      <a:r>
-                        <a:rPr lang="en-US" dirty="0"/>
-                        <a:t>--</a:t>
-                      </a:r>
-                    </a:p>
-                  </a:txBody>
-                  <a:tcPr/>
-                </a:tc>
-                <a:tc>
-                  <a:txBody>
-                    <a:bodyPr/>
-                    <a:lstStyle/>
-                    <a:p>
-                      <a:pPr algn="ctr"/>
-                      <a:r>
-                        <a:rPr lang="en-US" dirty="0"/>
-                        <a:t>--</a:t>
-                      </a:r>
-                    </a:p>
-                  </a:txBody>
-                  <a:tcPr/>
-                </a:tc>
-                <a:extLst>
-                  <a:ext uri="{0D108BD9-81ED-4DB2-BD59-A6C34878D82A}">
-                    <a16:rowId xmlns:a16="http://schemas.microsoft.com/office/drawing/2014/main" val="3862840897"/>
-                  </a:ext>
-                </a:extLst>
-              </a:tr>
-              <a:tr h="332509">
-                <a:tc>
-                  <a:txBody>
-                    <a:bodyPr/>
-                    <a:lstStyle/>
-                    <a:p>
-                      <a:r>
-                        <a:rPr lang="en-US" dirty="0"/>
                         <a:t>Resistors</a:t>
                       </a:r>
                     </a:p>
@@ -19169,7 +19729,7 @@
                     <a:p>
                       <a:r>
                         <a:rPr lang="en-US" dirty="0"/>
-                        <a:t>LCD Display</a:t>
+                        <a:t>SPI Display</a:t>
                       </a:r>
                     </a:p>
                   </a:txBody>
@@ -19217,7 +19777,7 @@
                     <a:p>
                       <a:r>
                         <a:rPr lang="en-US" dirty="0"/>
-                        <a:t>Button</a:t>
+                        <a:t>Arcade Button</a:t>
                       </a:r>
                     </a:p>
                   </a:txBody>
@@ -19362,7 +19922,7 @@
                     <a:p>
                       <a:r>
                         <a:rPr lang="en-US" dirty="0"/>
-                        <a:t>Toggle Switch</a:t>
+                        <a:t>Limit Switch</a:t>
                       </a:r>
                     </a:p>
                   </a:txBody>
@@ -19422,7 +19982,10 @@
                     <a:lstStyle/>
                     <a:p>
                       <a:pPr algn="ctr"/>
-                      <a:endParaRPr lang="en-US" dirty="0"/>
+                      <a:r>
+                        <a:rPr lang="en-US" dirty="0"/>
+                        <a:t>--</a:t>
+                      </a:r>
                     </a:p>
                   </a:txBody>
                   <a:tcPr/>
@@ -19433,7 +19996,10 @@
                     <a:lstStyle/>
                     <a:p>
                       <a:pPr algn="ctr"/>
-                      <a:endParaRPr lang="en-US" dirty="0"/>
+                      <a:r>
+                        <a:rPr lang="en-US" dirty="0"/>
+                        <a:t>--</a:t>
+                      </a:r>
                     </a:p>
                   </a:txBody>
                   <a:tcPr/>
